--- a/calendar/slides/Lecture2.pptx
+++ b/calendar/slides/Lecture2.pptx
@@ -285,7 +285,7 @@
           <a:p>
             <a:fld id="{783DCA05-C01A-464A-B4FC-AD243AD53EE8}" type="datetimeFigureOut">
               <a:rPr lang="en-US" smtClean="0"/>
-              <a:t>8/26/25</a:t>
+              <a:t>8/30/25</a:t>
             </a:fld>
             <a:endParaRPr lang="en-US"/>
           </a:p>
@@ -483,7 +483,7 @@
           <a:p>
             <a:fld id="{783DCA05-C01A-464A-B4FC-AD243AD53EE8}" type="datetimeFigureOut">
               <a:rPr lang="en-US" smtClean="0"/>
-              <a:t>8/26/25</a:t>
+              <a:t>8/30/25</a:t>
             </a:fld>
             <a:endParaRPr lang="en-US"/>
           </a:p>
@@ -691,7 +691,7 @@
           <a:p>
             <a:fld id="{783DCA05-C01A-464A-B4FC-AD243AD53EE8}" type="datetimeFigureOut">
               <a:rPr lang="en-US" smtClean="0"/>
-              <a:t>8/26/25</a:t>
+              <a:t>8/30/25</a:t>
             </a:fld>
             <a:endParaRPr lang="en-US"/>
           </a:p>
@@ -889,7 +889,7 @@
           <a:p>
             <a:fld id="{783DCA05-C01A-464A-B4FC-AD243AD53EE8}" type="datetimeFigureOut">
               <a:rPr lang="en-US" smtClean="0"/>
-              <a:t>8/26/25</a:t>
+              <a:t>8/30/25</a:t>
             </a:fld>
             <a:endParaRPr lang="en-US"/>
           </a:p>
@@ -1164,7 +1164,7 @@
           <a:p>
             <a:fld id="{783DCA05-C01A-464A-B4FC-AD243AD53EE8}" type="datetimeFigureOut">
               <a:rPr lang="en-US" smtClean="0"/>
-              <a:t>8/26/25</a:t>
+              <a:t>8/30/25</a:t>
             </a:fld>
             <a:endParaRPr lang="en-US"/>
           </a:p>
@@ -1429,7 +1429,7 @@
           <a:p>
             <a:fld id="{783DCA05-C01A-464A-B4FC-AD243AD53EE8}" type="datetimeFigureOut">
               <a:rPr lang="en-US" smtClean="0"/>
-              <a:t>8/26/25</a:t>
+              <a:t>8/30/25</a:t>
             </a:fld>
             <a:endParaRPr lang="en-US"/>
           </a:p>
@@ -1841,7 +1841,7 @@
           <a:p>
             <a:fld id="{783DCA05-C01A-464A-B4FC-AD243AD53EE8}" type="datetimeFigureOut">
               <a:rPr lang="en-US" smtClean="0"/>
-              <a:t>8/26/25</a:t>
+              <a:t>8/30/25</a:t>
             </a:fld>
             <a:endParaRPr lang="en-US"/>
           </a:p>
@@ -1982,7 +1982,7 @@
           <a:p>
             <a:fld id="{783DCA05-C01A-464A-B4FC-AD243AD53EE8}" type="datetimeFigureOut">
               <a:rPr lang="en-US" smtClean="0"/>
-              <a:t>8/26/25</a:t>
+              <a:t>8/30/25</a:t>
             </a:fld>
             <a:endParaRPr lang="en-US"/>
           </a:p>
@@ -2095,7 +2095,7 @@
           <a:p>
             <a:fld id="{783DCA05-C01A-464A-B4FC-AD243AD53EE8}" type="datetimeFigureOut">
               <a:rPr lang="en-US" smtClean="0"/>
-              <a:t>8/26/25</a:t>
+              <a:t>8/30/25</a:t>
             </a:fld>
             <a:endParaRPr lang="en-US"/>
           </a:p>
@@ -2406,7 +2406,7 @@
           <a:p>
             <a:fld id="{783DCA05-C01A-464A-B4FC-AD243AD53EE8}" type="datetimeFigureOut">
               <a:rPr lang="en-US" smtClean="0"/>
-              <a:t>8/26/25</a:t>
+              <a:t>8/30/25</a:t>
             </a:fld>
             <a:endParaRPr lang="en-US"/>
           </a:p>
@@ -2694,7 +2694,7 @@
           <a:p>
             <a:fld id="{783DCA05-C01A-464A-B4FC-AD243AD53EE8}" type="datetimeFigureOut">
               <a:rPr lang="en-US" smtClean="0"/>
-              <a:t>8/26/25</a:t>
+              <a:t>8/30/25</a:t>
             </a:fld>
             <a:endParaRPr lang="en-US"/>
           </a:p>
@@ -2935,7 +2935,7 @@
           <a:p>
             <a:fld id="{783DCA05-C01A-464A-B4FC-AD243AD53EE8}" type="datetimeFigureOut">
               <a:rPr lang="en-US" smtClean="0"/>
-              <a:t>8/26/25</a:t>
+              <a:t>8/30/25</a:t>
             </a:fld>
             <a:endParaRPr lang="en-US"/>
           </a:p>
@@ -3685,8 +3685,8 @@
           </a:p>
         </p:txBody>
       </p:sp>
-      <mc:AlternateContent xmlns:mc="http://schemas.openxmlformats.org/markup-compatibility/2006">
-        <mc:Choice xmlns:a14="http://schemas.microsoft.com/office/drawing/2010/main" Requires="a14">
+      <mc:AlternateContent xmlns:mc="http://schemas.openxmlformats.org/markup-compatibility/2006" xmlns:a14="http://schemas.microsoft.com/office/drawing/2010/main">
+        <mc:Choice Requires="a14">
           <p:sp>
             <p:nvSpPr>
               <p:cNvPr id="11" name="TextBox 10">
@@ -3909,7 +3909,7 @@
             </p:txBody>
           </p:sp>
         </mc:Choice>
-        <mc:Fallback>
+        <mc:Fallback xmlns="">
           <p:sp>
             <p:nvSpPr>
               <p:cNvPr id="11" name="TextBox 10">
@@ -3954,8 +3954,8 @@
           </p:sp>
         </mc:Fallback>
       </mc:AlternateContent>
-      <mc:AlternateContent xmlns:mc="http://schemas.openxmlformats.org/markup-compatibility/2006">
-        <mc:Choice xmlns:a14="http://schemas.microsoft.com/office/drawing/2010/main" Requires="a14">
+      <mc:AlternateContent xmlns:mc="http://schemas.openxmlformats.org/markup-compatibility/2006" xmlns:a14="http://schemas.microsoft.com/office/drawing/2010/main">
+        <mc:Choice Requires="a14">
           <p:sp>
             <p:nvSpPr>
               <p:cNvPr id="12" name="TextBox 11">
@@ -4242,7 +4242,7 @@
             </p:txBody>
           </p:sp>
         </mc:Choice>
-        <mc:Fallback>
+        <mc:Fallback xmlns="">
           <p:sp>
             <p:nvSpPr>
               <p:cNvPr id="12" name="TextBox 11">
@@ -4287,8 +4287,8 @@
           </p:sp>
         </mc:Fallback>
       </mc:AlternateContent>
-      <mc:AlternateContent xmlns:mc="http://schemas.openxmlformats.org/markup-compatibility/2006">
-        <mc:Choice xmlns:a14="http://schemas.microsoft.com/office/drawing/2010/main" Requires="a14">
+      <mc:AlternateContent xmlns:mc="http://schemas.openxmlformats.org/markup-compatibility/2006" xmlns:a14="http://schemas.microsoft.com/office/drawing/2010/main">
+        <mc:Choice Requires="a14">
           <p:sp>
             <p:nvSpPr>
               <p:cNvPr id="13" name="TextBox 12">
@@ -4569,7 +4569,7 @@
             </p:txBody>
           </p:sp>
         </mc:Choice>
-        <mc:Fallback>
+        <mc:Fallback xmlns="">
           <p:sp>
             <p:nvSpPr>
               <p:cNvPr id="13" name="TextBox 12">
@@ -4614,8 +4614,8 @@
           </p:sp>
         </mc:Fallback>
       </mc:AlternateContent>
-      <mc:AlternateContent xmlns:mc="http://schemas.openxmlformats.org/markup-compatibility/2006">
-        <mc:Choice xmlns:a14="http://schemas.microsoft.com/office/drawing/2010/main" Requires="a14">
+      <mc:AlternateContent xmlns:mc="http://schemas.openxmlformats.org/markup-compatibility/2006" xmlns:a14="http://schemas.microsoft.com/office/drawing/2010/main">
+        <mc:Choice Requires="a14">
           <p:sp>
             <p:nvSpPr>
               <p:cNvPr id="16" name="TextBox 15">
@@ -4781,7 +4781,7 @@
             </p:txBody>
           </p:sp>
         </mc:Choice>
-        <mc:Fallback>
+        <mc:Fallback xmlns="">
           <p:sp>
             <p:nvSpPr>
               <p:cNvPr id="16" name="TextBox 15">
@@ -4826,8 +4826,8 @@
           </p:sp>
         </mc:Fallback>
       </mc:AlternateContent>
-      <mc:AlternateContent xmlns:mc="http://schemas.openxmlformats.org/markup-compatibility/2006">
-        <mc:Choice xmlns:a14="http://schemas.microsoft.com/office/drawing/2010/main" Requires="a14">
+      <mc:AlternateContent xmlns:mc="http://schemas.openxmlformats.org/markup-compatibility/2006" xmlns:a14="http://schemas.microsoft.com/office/drawing/2010/main">
+        <mc:Choice Requires="a14">
           <p:sp>
             <p:nvSpPr>
               <p:cNvPr id="18" name="TextBox 17">
@@ -5136,7 +5136,7 @@
             </p:txBody>
           </p:sp>
         </mc:Choice>
-        <mc:Fallback>
+        <mc:Fallback xmlns="">
           <p:sp>
             <p:nvSpPr>
               <p:cNvPr id="18" name="TextBox 17">
@@ -5583,8 +5583,8 @@
           </a:p>
         </p:txBody>
       </p:sp>
-      <mc:AlternateContent xmlns:mc="http://schemas.openxmlformats.org/markup-compatibility/2006">
-        <mc:Choice xmlns:a14="http://schemas.microsoft.com/office/drawing/2010/main" Requires="a14">
+      <mc:AlternateContent xmlns:mc="http://schemas.openxmlformats.org/markup-compatibility/2006" xmlns:a14="http://schemas.microsoft.com/office/drawing/2010/main">
+        <mc:Choice Requires="a14">
           <p:sp>
             <p:nvSpPr>
               <p:cNvPr id="24" name="Rectangle 23">
@@ -5816,7 +5816,7 @@
             </p:txBody>
           </p:sp>
         </mc:Choice>
-        <mc:Fallback>
+        <mc:Fallback xmlns="">
           <p:sp>
             <p:nvSpPr>
               <p:cNvPr id="24" name="Rectangle 23">
@@ -5861,8 +5861,8 @@
           </p:sp>
         </mc:Fallback>
       </mc:AlternateContent>
-      <mc:AlternateContent xmlns:mc="http://schemas.openxmlformats.org/markup-compatibility/2006">
-        <mc:Choice xmlns:a14="http://schemas.microsoft.com/office/drawing/2010/main" Requires="a14">
+      <mc:AlternateContent xmlns:mc="http://schemas.openxmlformats.org/markup-compatibility/2006" xmlns:a14="http://schemas.microsoft.com/office/drawing/2010/main">
+        <mc:Choice Requires="a14">
           <p:sp>
             <p:nvSpPr>
               <p:cNvPr id="25" name="Rectangle 24">
@@ -6077,7 +6077,7 @@
             </p:txBody>
           </p:sp>
         </mc:Choice>
-        <mc:Fallback>
+        <mc:Fallback xmlns="">
           <p:sp>
             <p:nvSpPr>
               <p:cNvPr id="25" name="Rectangle 24">
@@ -6122,8 +6122,8 @@
           </p:sp>
         </mc:Fallback>
       </mc:AlternateContent>
-      <mc:AlternateContent xmlns:mc="http://schemas.openxmlformats.org/markup-compatibility/2006">
-        <mc:Choice xmlns:a14="http://schemas.microsoft.com/office/drawing/2010/main" Requires="a14">
+      <mc:AlternateContent xmlns:mc="http://schemas.openxmlformats.org/markup-compatibility/2006" xmlns:a14="http://schemas.microsoft.com/office/drawing/2010/main">
+        <mc:Choice Requires="a14">
           <p:sp>
             <p:nvSpPr>
               <p:cNvPr id="26" name="Rectangular Callout 25">
@@ -6295,7 +6295,7 @@
             </p:txBody>
           </p:sp>
         </mc:Choice>
-        <mc:Fallback>
+        <mc:Fallback xmlns="">
           <p:sp>
             <p:nvSpPr>
               <p:cNvPr id="26" name="Rectangular Callout 25">
@@ -6401,8 +6401,8 @@
           </a:p>
         </p:txBody>
       </p:sp>
-      <mc:AlternateContent xmlns:mc="http://schemas.openxmlformats.org/markup-compatibility/2006">
-        <mc:Choice xmlns:a14="http://schemas.microsoft.com/office/drawing/2010/main" Requires="a14">
+      <mc:AlternateContent xmlns:mc="http://schemas.openxmlformats.org/markup-compatibility/2006" xmlns:a14="http://schemas.microsoft.com/office/drawing/2010/main">
+        <mc:Choice Requires="a14">
           <p:sp>
             <p:nvSpPr>
               <p:cNvPr id="3" name="Content Placeholder 2">
@@ -6745,7 +6745,7 @@
                     <m:limLow>
                       <m:limLowPr>
                         <m:ctrlPr>
-                          <a:rPr lang="en-US" altLang="en-US" b="0" i="0" smtClean="0">
+                          <a:rPr lang="en-US" altLang="en-US" b="0" i="1" smtClean="0">
                             <a:latin typeface="Cambria Math" panose="02040503050406030204" pitchFamily="18" charset="0"/>
                             <a:ea typeface="American Typewriter" charset="0"/>
                             <a:cs typeface="American Typewriter" charset="0"/>
@@ -6916,7 +6916,7 @@
                     <m:limLow>
                       <m:limLowPr>
                         <m:ctrlPr>
-                          <a:rPr lang="en-US" altLang="en-US" b="0" i="0" smtClean="0">
+                          <a:rPr lang="en-US" altLang="en-US" b="0" i="1" smtClean="0">
                             <a:latin typeface="Cambria Math" panose="02040503050406030204" pitchFamily="18" charset="0"/>
                             <a:ea typeface="American Typewriter" charset="0"/>
                             <a:cs typeface="American Typewriter" charset="0"/>
@@ -7080,7 +7080,7 @@
             </p:txBody>
           </p:sp>
         </mc:Choice>
-        <mc:Fallback>
+        <mc:Fallback xmlns="">
           <p:sp>
             <p:nvSpPr>
               <p:cNvPr id="3" name="Content Placeholder 2">
@@ -7178,8 +7178,8 @@
           </a:p>
         </p:txBody>
       </p:sp>
-      <mc:AlternateContent xmlns:mc="http://schemas.openxmlformats.org/markup-compatibility/2006">
-        <mc:Choice xmlns:a14="http://schemas.microsoft.com/office/drawing/2010/main" Requires="a14">
+      <mc:AlternateContent xmlns:mc="http://schemas.openxmlformats.org/markup-compatibility/2006" xmlns:a14="http://schemas.microsoft.com/office/drawing/2010/main">
+        <mc:Choice Requires="a14">
           <p:sp>
             <p:nvSpPr>
               <p:cNvPr id="4" name="TextBox 3">
@@ -7343,7 +7343,7 @@
             </p:txBody>
           </p:sp>
         </mc:Choice>
-        <mc:Fallback>
+        <mc:Fallback xmlns="">
           <p:sp>
             <p:nvSpPr>
               <p:cNvPr id="4" name="TextBox 3">
@@ -7432,8 +7432,8 @@
           </a:fontRef>
         </p:style>
       </p:cxnSp>
-      <mc:AlternateContent xmlns:mc="http://schemas.openxmlformats.org/markup-compatibility/2006">
-        <mc:Choice xmlns:a14="http://schemas.microsoft.com/office/drawing/2010/main" Requires="a14">
+      <mc:AlternateContent xmlns:mc="http://schemas.openxmlformats.org/markup-compatibility/2006" xmlns:a14="http://schemas.microsoft.com/office/drawing/2010/main">
+        <mc:Choice Requires="a14">
           <p:sp>
             <p:nvSpPr>
               <p:cNvPr id="6" name="TextBox 5">
@@ -7597,7 +7597,7 @@
             </p:txBody>
           </p:sp>
         </mc:Choice>
-        <mc:Fallback>
+        <mc:Fallback xmlns="">
           <p:sp>
             <p:nvSpPr>
               <p:cNvPr id="6" name="TextBox 5">
@@ -7642,8 +7642,8 @@
           </p:sp>
         </mc:Fallback>
       </mc:AlternateContent>
-      <mc:AlternateContent xmlns:mc="http://schemas.openxmlformats.org/markup-compatibility/2006">
-        <mc:Choice xmlns:a14="http://schemas.microsoft.com/office/drawing/2010/main" Requires="a14">
+      <mc:AlternateContent xmlns:mc="http://schemas.openxmlformats.org/markup-compatibility/2006" xmlns:a14="http://schemas.microsoft.com/office/drawing/2010/main">
+        <mc:Choice Requires="a14">
           <p:sp>
             <p:nvSpPr>
               <p:cNvPr id="7" name="Rectangular Callout 6">
@@ -7836,7 +7836,7 @@
             </p:txBody>
           </p:sp>
         </mc:Choice>
-        <mc:Fallback>
+        <mc:Fallback xmlns="">
           <p:sp>
             <p:nvSpPr>
               <p:cNvPr id="7" name="Rectangular Callout 6">
@@ -8020,8 +8020,8 @@
           </a:p>
         </p:txBody>
       </p:sp>
-      <mc:AlternateContent xmlns:mc="http://schemas.openxmlformats.org/markup-compatibility/2006">
-        <mc:Choice xmlns:a14="http://schemas.microsoft.com/office/drawing/2010/main" Requires="a14">
+      <mc:AlternateContent xmlns:mc="http://schemas.openxmlformats.org/markup-compatibility/2006" xmlns:a14="http://schemas.microsoft.com/office/drawing/2010/main">
+        <mc:Choice Requires="a14">
           <p:sp>
             <p:nvSpPr>
               <p:cNvPr id="9" name="Rectangle 8">
@@ -8244,7 +8244,7 @@
             </p:txBody>
           </p:sp>
         </mc:Choice>
-        <mc:Fallback>
+        <mc:Fallback xmlns="">
           <p:sp>
             <p:nvSpPr>
               <p:cNvPr id="9" name="Rectangle 8">
@@ -8403,8 +8403,8 @@
           </a:fontRef>
         </p:style>
       </p:cxnSp>
-      <mc:AlternateContent xmlns:mc="http://schemas.openxmlformats.org/markup-compatibility/2006">
-        <mc:Choice xmlns:a14="http://schemas.microsoft.com/office/drawing/2010/main" Requires="a14">
+      <mc:AlternateContent xmlns:mc="http://schemas.openxmlformats.org/markup-compatibility/2006" xmlns:a14="http://schemas.microsoft.com/office/drawing/2010/main">
+        <mc:Choice Requires="a14">
           <p:sp>
             <p:nvSpPr>
               <p:cNvPr id="13" name="Rectangle 12">
@@ -8526,6 +8526,7 @@
                 </a:lvl9pPr>
               </a:lstStyle>
               <a:p>
+                <a:pPr/>
                 <a14:m>
                   <m:oMathPara xmlns:m="http://schemas.openxmlformats.org/officeDocument/2006/math">
                     <m:oMathParaPr>
@@ -8626,7 +8627,7 @@
             </p:txBody>
           </p:sp>
         </mc:Choice>
-        <mc:Fallback>
+        <mc:Fallback xmlns="">
           <p:sp>
             <p:nvSpPr>
               <p:cNvPr id="13" name="Rectangle 12">
@@ -8671,8 +8672,8 @@
           </p:sp>
         </mc:Fallback>
       </mc:AlternateContent>
-      <mc:AlternateContent xmlns:mc="http://schemas.openxmlformats.org/markup-compatibility/2006">
-        <mc:Choice xmlns:a14="http://schemas.microsoft.com/office/drawing/2010/main" Requires="a14">
+      <mc:AlternateContent xmlns:mc="http://schemas.openxmlformats.org/markup-compatibility/2006" xmlns:a14="http://schemas.microsoft.com/office/drawing/2010/main">
+        <mc:Choice Requires="a14">
           <p:sp>
             <p:nvSpPr>
               <p:cNvPr id="14" name="Rectangular Callout 13">
@@ -8865,7 +8866,7 @@
             </p:txBody>
           </p:sp>
         </mc:Choice>
-        <mc:Fallback>
+        <mc:Fallback xmlns="">
           <p:sp>
             <p:nvSpPr>
               <p:cNvPr id="14" name="Rectangular Callout 13">
@@ -9475,8 +9476,8 @@
           </a:p>
         </p:txBody>
       </p:sp>
-      <mc:AlternateContent xmlns:mc="http://schemas.openxmlformats.org/markup-compatibility/2006">
-        <mc:Choice xmlns:a14="http://schemas.microsoft.com/office/drawing/2010/main" Requires="a14">
+      <mc:AlternateContent xmlns:mc="http://schemas.openxmlformats.org/markup-compatibility/2006" xmlns:a14="http://schemas.microsoft.com/office/drawing/2010/main">
+        <mc:Choice Requires="a14">
           <p:sp>
             <p:nvSpPr>
               <p:cNvPr id="3" name="Content Placeholder 2">
@@ -10011,7 +10012,7 @@
             </p:txBody>
           </p:sp>
         </mc:Choice>
-        <mc:Fallback>
+        <mc:Fallback xmlns="">
           <p:sp>
             <p:nvSpPr>
               <p:cNvPr id="3" name="Content Placeholder 2">
@@ -10051,8 +10052,8 @@
           </p:sp>
         </mc:Fallback>
       </mc:AlternateContent>
-      <mc:AlternateContent xmlns:mc="http://schemas.openxmlformats.org/markup-compatibility/2006">
-        <mc:Choice xmlns:a14="http://schemas.microsoft.com/office/drawing/2010/main" Requires="a14">
+      <mc:AlternateContent xmlns:mc="http://schemas.openxmlformats.org/markup-compatibility/2006" xmlns:a14="http://schemas.microsoft.com/office/drawing/2010/main">
+        <mc:Choice Requires="a14">
           <p:sp>
             <p:nvSpPr>
               <p:cNvPr id="4" name="TextBox 3">
@@ -10570,7 +10571,7 @@
             </p:txBody>
           </p:sp>
         </mc:Choice>
-        <mc:Fallback>
+        <mc:Fallback xmlns="">
           <p:sp>
             <p:nvSpPr>
               <p:cNvPr id="4" name="TextBox 3">
@@ -10615,8 +10616,8 @@
           </p:sp>
         </mc:Fallback>
       </mc:AlternateContent>
-      <mc:AlternateContent xmlns:mc="http://schemas.openxmlformats.org/markup-compatibility/2006">
-        <mc:Choice xmlns:a14="http://schemas.microsoft.com/office/drawing/2010/main" Requires="a14">
+      <mc:AlternateContent xmlns:mc="http://schemas.openxmlformats.org/markup-compatibility/2006" xmlns:a14="http://schemas.microsoft.com/office/drawing/2010/main">
+        <mc:Choice Requires="a14">
           <p:sp>
             <p:nvSpPr>
               <p:cNvPr id="6" name="TextBox 5">
@@ -10801,18 +10802,7 @@
                               <a:ea typeface="American Typewriter" charset="0"/>
                               <a:cs typeface="American Typewriter" charset="0"/>
                             </a:rPr>
-                            <m:t>′</m:t>
-                          </m:r>
-                          <m:r>
-                            <a:rPr lang="en-US" altLang="en-US" sz="2400" b="0" i="1" smtClean="0">
-                              <a:solidFill>
-                                <a:schemeClr val="accent1"/>
-                              </a:solidFill>
-                              <a:latin typeface="Cambria Math" panose="02040503050406030204" pitchFamily="18" charset="0"/>
-                              <a:ea typeface="American Typewriter" charset="0"/>
-                              <a:cs typeface="American Typewriter" charset="0"/>
-                            </a:rPr>
-                            <m:t>)=</m:t>
+                            <m:t>′)=</m:t>
                           </m:r>
                           <m:sSub>
                             <m:sSubPr>
@@ -11066,7 +11056,7 @@
             </p:txBody>
           </p:sp>
         </mc:Choice>
-        <mc:Fallback>
+        <mc:Fallback xmlns="">
           <p:sp>
             <p:nvSpPr>
               <p:cNvPr id="6" name="TextBox 5">
@@ -11111,8 +11101,8 @@
           </p:sp>
         </mc:Fallback>
       </mc:AlternateContent>
-      <mc:AlternateContent xmlns:mc="http://schemas.openxmlformats.org/markup-compatibility/2006">
-        <mc:Choice xmlns:a14="http://schemas.microsoft.com/office/drawing/2010/main" Requires="a14">
+      <mc:AlternateContent xmlns:mc="http://schemas.openxmlformats.org/markup-compatibility/2006" xmlns:a14="http://schemas.microsoft.com/office/drawing/2010/main">
+        <mc:Choice Requires="a14">
           <p:sp>
             <p:nvSpPr>
               <p:cNvPr id="7" name="TextBox 6">
@@ -11687,7 +11677,7 @@
             </p:txBody>
           </p:sp>
         </mc:Choice>
-        <mc:Fallback>
+        <mc:Fallback xmlns="">
           <p:sp>
             <p:nvSpPr>
               <p:cNvPr id="7" name="TextBox 6">
@@ -11732,8 +11722,8 @@
           </p:sp>
         </mc:Fallback>
       </mc:AlternateContent>
-      <mc:AlternateContent xmlns:mc="http://schemas.openxmlformats.org/markup-compatibility/2006">
-        <mc:Choice xmlns:a14="http://schemas.microsoft.com/office/drawing/2010/main" Requires="a14">
+      <mc:AlternateContent xmlns:mc="http://schemas.openxmlformats.org/markup-compatibility/2006" xmlns:a14="http://schemas.microsoft.com/office/drawing/2010/main">
+        <mc:Choice Requires="a14">
           <p:sp>
             <p:nvSpPr>
               <p:cNvPr id="8" name="TextBox 7">
@@ -12105,7 +12095,7 @@
             </p:txBody>
           </p:sp>
         </mc:Choice>
-        <mc:Fallback>
+        <mc:Fallback xmlns="">
           <p:sp>
             <p:nvSpPr>
               <p:cNvPr id="8" name="TextBox 7">
@@ -12150,8 +12140,8 @@
           </p:sp>
         </mc:Fallback>
       </mc:AlternateContent>
-      <mc:AlternateContent xmlns:mc="http://schemas.openxmlformats.org/markup-compatibility/2006">
-        <mc:Choice xmlns:a14="http://schemas.microsoft.com/office/drawing/2010/main" Requires="a14">
+      <mc:AlternateContent xmlns:mc="http://schemas.openxmlformats.org/markup-compatibility/2006" xmlns:a14="http://schemas.microsoft.com/office/drawing/2010/main">
+        <mc:Choice Requires="a14">
           <p:sp>
             <p:nvSpPr>
               <p:cNvPr id="9" name="TextBox 8">
@@ -12517,7 +12507,7 @@
             </p:txBody>
           </p:sp>
         </mc:Choice>
-        <mc:Fallback>
+        <mc:Fallback xmlns="">
           <p:sp>
             <p:nvSpPr>
               <p:cNvPr id="9" name="TextBox 8">
@@ -13033,8 +13023,8 @@
           </a:p>
         </p:txBody>
       </p:sp>
-      <mc:AlternateContent xmlns:mc="http://schemas.openxmlformats.org/markup-compatibility/2006">
-        <mc:Choice xmlns:a14="http://schemas.microsoft.com/office/drawing/2010/main" Requires="a14">
+      <mc:AlternateContent xmlns:mc="http://schemas.openxmlformats.org/markup-compatibility/2006" xmlns:a14="http://schemas.microsoft.com/office/drawing/2010/main">
+        <mc:Choice Requires="a14">
           <p:sp>
             <p:nvSpPr>
               <p:cNvPr id="3" name="Content Placeholder 2">
@@ -13569,7 +13559,7 @@
             </p:txBody>
           </p:sp>
         </mc:Choice>
-        <mc:Fallback>
+        <mc:Fallback xmlns="">
           <p:sp>
             <p:nvSpPr>
               <p:cNvPr id="3" name="Content Placeholder 2">
@@ -13609,8 +13599,8 @@
           </p:sp>
         </mc:Fallback>
       </mc:AlternateContent>
-      <mc:AlternateContent xmlns:mc="http://schemas.openxmlformats.org/markup-compatibility/2006">
-        <mc:Choice xmlns:a14="http://schemas.microsoft.com/office/drawing/2010/main" Requires="a14">
+      <mc:AlternateContent xmlns:mc="http://schemas.openxmlformats.org/markup-compatibility/2006" xmlns:a14="http://schemas.microsoft.com/office/drawing/2010/main">
+        <mc:Choice Requires="a14">
           <p:sp>
             <p:nvSpPr>
               <p:cNvPr id="4" name="TextBox 3">
@@ -14128,7 +14118,7 @@
             </p:txBody>
           </p:sp>
         </mc:Choice>
-        <mc:Fallback>
+        <mc:Fallback xmlns="">
           <p:sp>
             <p:nvSpPr>
               <p:cNvPr id="4" name="TextBox 3">
@@ -14173,8 +14163,8 @@
           </p:sp>
         </mc:Fallback>
       </mc:AlternateContent>
-      <mc:AlternateContent xmlns:mc="http://schemas.openxmlformats.org/markup-compatibility/2006">
-        <mc:Choice xmlns:a14="http://schemas.microsoft.com/office/drawing/2010/main" Requires="a14">
+      <mc:AlternateContent xmlns:mc="http://schemas.openxmlformats.org/markup-compatibility/2006" xmlns:a14="http://schemas.microsoft.com/office/drawing/2010/main">
+        <mc:Choice Requires="a14">
           <p:sp>
             <p:nvSpPr>
               <p:cNvPr id="6" name="TextBox 5">
@@ -14359,18 +14349,7 @@
                               <a:ea typeface="American Typewriter" charset="0"/>
                               <a:cs typeface="American Typewriter" charset="0"/>
                             </a:rPr>
-                            <m:t>′</m:t>
-                          </m:r>
-                          <m:r>
-                            <a:rPr lang="en-US" altLang="en-US" sz="2400" b="0" i="1" smtClean="0">
-                              <a:solidFill>
-                                <a:schemeClr val="accent1"/>
-                              </a:solidFill>
-                              <a:latin typeface="Cambria Math" panose="02040503050406030204" pitchFamily="18" charset="0"/>
-                              <a:ea typeface="American Typewriter" charset="0"/>
-                              <a:cs typeface="American Typewriter" charset="0"/>
-                            </a:rPr>
-                            <m:t>)=</m:t>
+                            <m:t>′)=</m:t>
                           </m:r>
                           <m:sSub>
                             <m:sSubPr>
@@ -14624,7 +14603,7 @@
             </p:txBody>
           </p:sp>
         </mc:Choice>
-        <mc:Fallback>
+        <mc:Fallback xmlns="">
           <p:sp>
             <p:nvSpPr>
               <p:cNvPr id="6" name="TextBox 5">
@@ -14669,8 +14648,8 @@
           </p:sp>
         </mc:Fallback>
       </mc:AlternateContent>
-      <mc:AlternateContent xmlns:mc="http://schemas.openxmlformats.org/markup-compatibility/2006">
-        <mc:Choice xmlns:a14="http://schemas.microsoft.com/office/drawing/2010/main" Requires="a14">
+      <mc:AlternateContent xmlns:mc="http://schemas.openxmlformats.org/markup-compatibility/2006" xmlns:a14="http://schemas.microsoft.com/office/drawing/2010/main">
+        <mc:Choice Requires="a14">
           <p:sp>
             <p:nvSpPr>
               <p:cNvPr id="7" name="TextBox 6">
@@ -15245,7 +15224,7 @@
             </p:txBody>
           </p:sp>
         </mc:Choice>
-        <mc:Fallback>
+        <mc:Fallback xmlns="">
           <p:sp>
             <p:nvSpPr>
               <p:cNvPr id="7" name="TextBox 6">
@@ -15290,8 +15269,8 @@
           </p:sp>
         </mc:Fallback>
       </mc:AlternateContent>
-      <mc:AlternateContent xmlns:mc="http://schemas.openxmlformats.org/markup-compatibility/2006">
-        <mc:Choice xmlns:a14="http://schemas.microsoft.com/office/drawing/2010/main" Requires="a14">
+      <mc:AlternateContent xmlns:mc="http://schemas.openxmlformats.org/markup-compatibility/2006" xmlns:a14="http://schemas.microsoft.com/office/drawing/2010/main">
+        <mc:Choice Requires="a14">
           <p:sp>
             <p:nvSpPr>
               <p:cNvPr id="8" name="TextBox 7">
@@ -15663,7 +15642,7 @@
             </p:txBody>
           </p:sp>
         </mc:Choice>
-        <mc:Fallback>
+        <mc:Fallback xmlns="">
           <p:sp>
             <p:nvSpPr>
               <p:cNvPr id="8" name="TextBox 7">
@@ -15708,8 +15687,8 @@
           </p:sp>
         </mc:Fallback>
       </mc:AlternateContent>
-      <mc:AlternateContent xmlns:mc="http://schemas.openxmlformats.org/markup-compatibility/2006">
-        <mc:Choice xmlns:a14="http://schemas.microsoft.com/office/drawing/2010/main" Requires="a14">
+      <mc:AlternateContent xmlns:mc="http://schemas.openxmlformats.org/markup-compatibility/2006" xmlns:a14="http://schemas.microsoft.com/office/drawing/2010/main">
+        <mc:Choice Requires="a14">
           <p:sp>
             <p:nvSpPr>
               <p:cNvPr id="9" name="TextBox 8">
@@ -16075,7 +16054,7 @@
             </p:txBody>
           </p:sp>
         </mc:Choice>
-        <mc:Fallback>
+        <mc:Fallback xmlns="">
           <p:sp>
             <p:nvSpPr>
               <p:cNvPr id="9" name="TextBox 8">
@@ -16569,7 +16548,15 @@
                         <a:ea typeface="Cambria Math" panose="02040503050406030204" pitchFamily="18" charset="0"/>
                         <a:cs typeface="Calibri" panose="020F0502020204030204" pitchFamily="34" charset="0"/>
                       </a:rPr>
-                      <m:t>&gt;|</m:t>
+                      <m:t>≥</m:t>
+                    </m:r>
+                    <m:r>
+                      <a:rPr lang="en-US" altLang="en-US" b="0" i="1" smtClean="0">
+                        <a:latin typeface="Cambria Math" panose="02040503050406030204" pitchFamily="18" charset="0"/>
+                        <a:ea typeface="Cambria Math" panose="02040503050406030204" pitchFamily="18" charset="0"/>
+                        <a:cs typeface="Calibri" panose="020F0502020204030204" pitchFamily="34" charset="0"/>
+                      </a:rPr>
+                      <m:t>|</m:t>
                     </m:r>
                     <m:r>
                       <a:rPr lang="en-US" altLang="en-US" i="1" dirty="0">
@@ -17346,165 +17333,6 @@
   <p:clrMapOvr>
     <a:masterClrMapping/>
   </p:clrMapOvr>
-  <p:timing>
-    <p:tnLst>
-      <p:par>
-        <p:cTn id="1" dur="indefinite" restart="never" nodeType="tmRoot">
-          <p:childTnLst>
-            <p:seq concurrent="1" nextAc="seek">
-              <p:cTn id="2" dur="indefinite" nodeType="mainSeq">
-                <p:childTnLst>
-                  <p:par>
-                    <p:cTn id="3" fill="hold">
-                      <p:stCondLst>
-                        <p:cond delay="indefinite"/>
-                      </p:stCondLst>
-                      <p:childTnLst>
-                        <p:par>
-                          <p:cTn id="4" fill="hold">
-                            <p:stCondLst>
-                              <p:cond delay="0"/>
-                            </p:stCondLst>
-                            <p:childTnLst>
-                              <p:par>
-                                <p:cTn id="5" presetID="1" presetClass="entr" presetSubtype="0" fill="hold" nodeType="clickEffect">
-                                  <p:stCondLst>
-                                    <p:cond delay="0"/>
-                                  </p:stCondLst>
-                                  <p:childTnLst>
-                                    <p:set>
-                                      <p:cBhvr>
-                                        <p:cTn id="6" dur="1" fill="hold">
-                                          <p:stCondLst>
-                                            <p:cond delay="0"/>
-                                          </p:stCondLst>
-                                        </p:cTn>
-                                        <p:tgtEl>
-                                          <p:spTgt spid="3">
-                                            <p:txEl>
-                                              <p:pRg st="2" end="2"/>
-                                            </p:txEl>
-                                          </p:spTgt>
-                                        </p:tgtEl>
-                                        <p:attrNameLst>
-                                          <p:attrName>style.visibility</p:attrName>
-                                        </p:attrNameLst>
-                                      </p:cBhvr>
-                                      <p:to>
-                                        <p:strVal val="visible"/>
-                                      </p:to>
-                                    </p:set>
-                                  </p:childTnLst>
-                                </p:cTn>
-                              </p:par>
-                              <p:par>
-                                <p:cTn id="7" presetID="1" presetClass="entr" presetSubtype="0" fill="hold" nodeType="withEffect">
-                                  <p:stCondLst>
-                                    <p:cond delay="0"/>
-                                  </p:stCondLst>
-                                  <p:childTnLst>
-                                    <p:set>
-                                      <p:cBhvr>
-                                        <p:cTn id="8" dur="1" fill="hold">
-                                          <p:stCondLst>
-                                            <p:cond delay="0"/>
-                                          </p:stCondLst>
-                                        </p:cTn>
-                                        <p:tgtEl>
-                                          <p:spTgt spid="3">
-                                            <p:txEl>
-                                              <p:pRg st="3" end="3"/>
-                                            </p:txEl>
-                                          </p:spTgt>
-                                        </p:tgtEl>
-                                        <p:attrNameLst>
-                                          <p:attrName>style.visibility</p:attrName>
-                                        </p:attrNameLst>
-                                      </p:cBhvr>
-                                      <p:to>
-                                        <p:strVal val="visible"/>
-                                      </p:to>
-                                    </p:set>
-                                  </p:childTnLst>
-                                </p:cTn>
-                              </p:par>
-                            </p:childTnLst>
-                          </p:cTn>
-                        </p:par>
-                      </p:childTnLst>
-                    </p:cTn>
-                  </p:par>
-                  <p:par>
-                    <p:cTn id="9" fill="hold">
-                      <p:stCondLst>
-                        <p:cond delay="indefinite"/>
-                      </p:stCondLst>
-                      <p:childTnLst>
-                        <p:par>
-                          <p:cTn id="10" fill="hold">
-                            <p:stCondLst>
-                              <p:cond delay="0"/>
-                            </p:stCondLst>
-                            <p:childTnLst>
-                              <p:par>
-                                <p:cTn id="11" presetID="1" presetClass="entr" presetSubtype="0" fill="hold" nodeType="clickEffect">
-                                  <p:stCondLst>
-                                    <p:cond delay="0"/>
-                                  </p:stCondLst>
-                                  <p:childTnLst>
-                                    <p:set>
-                                      <p:cBhvr>
-                                        <p:cTn id="12" dur="1" fill="hold">
-                                          <p:stCondLst>
-                                            <p:cond delay="0"/>
-                                          </p:stCondLst>
-                                        </p:cTn>
-                                        <p:tgtEl>
-                                          <p:spTgt spid="3">
-                                            <p:txEl>
-                                              <p:pRg st="4" end="4"/>
-                                            </p:txEl>
-                                          </p:spTgt>
-                                        </p:tgtEl>
-                                        <p:attrNameLst>
-                                          <p:attrName>style.visibility</p:attrName>
-                                        </p:attrNameLst>
-                                      </p:cBhvr>
-                                      <p:to>
-                                        <p:strVal val="visible"/>
-                                      </p:to>
-                                    </p:set>
-                                  </p:childTnLst>
-                                </p:cTn>
-                              </p:par>
-                            </p:childTnLst>
-                          </p:cTn>
-                        </p:par>
-                      </p:childTnLst>
-                    </p:cTn>
-                  </p:par>
-                </p:childTnLst>
-              </p:cTn>
-              <p:prevCondLst>
-                <p:cond evt="onPrev" delay="0">
-                  <p:tgtEl>
-                    <p:sldTgt/>
-                  </p:tgtEl>
-                </p:cond>
-              </p:prevCondLst>
-              <p:nextCondLst>
-                <p:cond evt="onNext" delay="0">
-                  <p:tgtEl>
-                    <p:sldTgt/>
-                  </p:tgtEl>
-                </p:cond>
-              </p:nextCondLst>
-            </p:seq>
-          </p:childTnLst>
-        </p:cTn>
-      </p:par>
-    </p:tnLst>
-  </p:timing>
 </p:sld>
 </file>
 
@@ -17753,7 +17581,15 @@
                         <a:ea typeface="Cambria Math" panose="02040503050406030204" pitchFamily="18" charset="0"/>
                         <a:cs typeface="Calibri" panose="020F0502020204030204" pitchFamily="34" charset="0"/>
                       </a:rPr>
-                      <m:t>&gt;|</m:t>
+                      <m:t>≥</m:t>
+                    </m:r>
+                    <m:r>
+                      <a:rPr lang="en-US" altLang="en-US" b="0" i="1" smtClean="0">
+                        <a:latin typeface="Cambria Math" panose="02040503050406030204" pitchFamily="18" charset="0"/>
+                        <a:ea typeface="Cambria Math" panose="02040503050406030204" pitchFamily="18" charset="0"/>
+                        <a:cs typeface="Calibri" panose="020F0502020204030204" pitchFamily="34" charset="0"/>
+                      </a:rPr>
+                      <m:t>|</m:t>
                     </m:r>
                     <m:r>
                       <a:rPr lang="en-US" altLang="en-US" i="1" dirty="0">
@@ -18126,8 +17962,8 @@
           </a:p>
         </p:txBody>
       </p:sp>
-      <mc:AlternateContent xmlns:mc="http://schemas.openxmlformats.org/markup-compatibility/2006">
-        <mc:Choice xmlns:a14="http://schemas.microsoft.com/office/drawing/2010/main" Requires="a14">
+      <mc:AlternateContent xmlns:mc="http://schemas.openxmlformats.org/markup-compatibility/2006" xmlns:a14="http://schemas.microsoft.com/office/drawing/2010/main">
+        <mc:Choice Requires="a14">
           <p:sp>
             <p:nvSpPr>
               <p:cNvPr id="6" name="Rectangle 5">
@@ -18272,7 +18108,7 @@
             </p:txBody>
           </p:sp>
         </mc:Choice>
-        <mc:Fallback>
+        <mc:Fallback xmlns="">
           <p:sp>
             <p:nvSpPr>
               <p:cNvPr id="6" name="Rectangle 5">
@@ -18317,8 +18153,8 @@
           </p:sp>
         </mc:Fallback>
       </mc:AlternateContent>
-      <mc:AlternateContent xmlns:mc="http://schemas.openxmlformats.org/markup-compatibility/2006">
-        <mc:Choice xmlns:a14="http://schemas.microsoft.com/office/drawing/2010/main" Requires="a14">
+      <mc:AlternateContent xmlns:mc="http://schemas.openxmlformats.org/markup-compatibility/2006" xmlns:a14="http://schemas.microsoft.com/office/drawing/2010/main">
+        <mc:Choice Requires="a14">
           <p:sp>
             <p:nvSpPr>
               <p:cNvPr id="7" name="Rectangle 6">
@@ -18463,7 +18299,7 @@
             </p:txBody>
           </p:sp>
         </mc:Choice>
-        <mc:Fallback>
+        <mc:Fallback xmlns="">
           <p:sp>
             <p:nvSpPr>
               <p:cNvPr id="7" name="Rectangle 6">
@@ -18654,8 +18490,8 @@
           </a:p>
         </p:txBody>
       </p:sp>
-      <mc:AlternateContent xmlns:mc="http://schemas.openxmlformats.org/markup-compatibility/2006">
-        <mc:Choice xmlns:a14="http://schemas.microsoft.com/office/drawing/2010/main" Requires="a14">
+      <mc:AlternateContent xmlns:mc="http://schemas.openxmlformats.org/markup-compatibility/2006" xmlns:a14="http://schemas.microsoft.com/office/drawing/2010/main">
+        <mc:Choice Requires="a14">
           <p:sp>
             <p:nvSpPr>
               <p:cNvPr id="9" name="Rectangle 8">
@@ -18800,7 +18636,7 @@
             </p:txBody>
           </p:sp>
         </mc:Choice>
-        <mc:Fallback>
+        <mc:Fallback xmlns="">
           <p:sp>
             <p:nvSpPr>
               <p:cNvPr id="9" name="Rectangle 8">
@@ -18995,8 +18831,8 @@
             </a:fontRef>
           </p:style>
         </p:cxnSp>
-        <mc:AlternateContent xmlns:mc="http://schemas.openxmlformats.org/markup-compatibility/2006">
-          <mc:Choice xmlns:a14="http://schemas.microsoft.com/office/drawing/2010/main" Requires="a14">
+        <mc:AlternateContent xmlns:mc="http://schemas.openxmlformats.org/markup-compatibility/2006" xmlns:a14="http://schemas.microsoft.com/office/drawing/2010/main">
+          <mc:Choice Requires="a14">
             <p:sp>
               <p:nvSpPr>
                 <p:cNvPr id="28" name="Rectangle 27">
@@ -19141,7 +18977,7 @@
               </p:txBody>
             </p:sp>
           </mc:Choice>
-          <mc:Fallback>
+          <mc:Fallback xmlns="">
             <p:sp>
               <p:nvSpPr>
                 <p:cNvPr id="28" name="Rectangle 27">
@@ -19186,8 +19022,8 @@
             </p:sp>
           </mc:Fallback>
         </mc:AlternateContent>
-        <mc:AlternateContent xmlns:mc="http://schemas.openxmlformats.org/markup-compatibility/2006">
-          <mc:Choice xmlns:a14="http://schemas.microsoft.com/office/drawing/2010/main" Requires="a14">
+        <mc:AlternateContent xmlns:mc="http://schemas.openxmlformats.org/markup-compatibility/2006" xmlns:a14="http://schemas.microsoft.com/office/drawing/2010/main">
+          <mc:Choice Requires="a14">
             <p:sp>
               <p:nvSpPr>
                 <p:cNvPr id="29" name="Rectangle 28">
@@ -19340,7 +19176,7 @@
               </p:txBody>
             </p:sp>
           </mc:Choice>
-          <mc:Fallback>
+          <mc:Fallback xmlns="">
             <p:sp>
               <p:nvSpPr>
                 <p:cNvPr id="29" name="Rectangle 28">
@@ -19385,8 +19221,8 @@
             </p:sp>
           </mc:Fallback>
         </mc:AlternateContent>
-        <mc:AlternateContent xmlns:mc="http://schemas.openxmlformats.org/markup-compatibility/2006">
-          <mc:Choice xmlns:a14="http://schemas.microsoft.com/office/drawing/2010/main" Requires="a14">
+        <mc:AlternateContent xmlns:mc="http://schemas.openxmlformats.org/markup-compatibility/2006" xmlns:a14="http://schemas.microsoft.com/office/drawing/2010/main">
+          <mc:Choice Requires="a14">
             <p:sp>
               <p:nvSpPr>
                 <p:cNvPr id="30" name="Rectangle 29">
@@ -19539,7 +19375,7 @@
               </p:txBody>
             </p:sp>
           </mc:Choice>
-          <mc:Fallback>
+          <mc:Fallback xmlns="">
             <p:sp>
               <p:nvSpPr>
                 <p:cNvPr id="30" name="Rectangle 29">
@@ -19730,8 +19566,8 @@
           </a:p>
         </p:txBody>
       </p:sp>
-      <mc:AlternateContent xmlns:mc="http://schemas.openxmlformats.org/markup-compatibility/2006">
-        <mc:Choice xmlns:a14="http://schemas.microsoft.com/office/drawing/2010/main" Requires="a14">
+      <mc:AlternateContent xmlns:mc="http://schemas.openxmlformats.org/markup-compatibility/2006" xmlns:a14="http://schemas.microsoft.com/office/drawing/2010/main">
+        <mc:Choice Requires="a14">
           <p:sp>
             <p:nvSpPr>
               <p:cNvPr id="12" name="Rectangle 11">
@@ -19924,7 +19760,7 @@
             </p:txBody>
           </p:sp>
         </mc:Choice>
-        <mc:Fallback>
+        <mc:Fallback xmlns="">
           <p:sp>
             <p:nvSpPr>
               <p:cNvPr id="12" name="Rectangle 11">
@@ -20135,8 +19971,8 @@
             </a:p>
           </p:txBody>
         </p:sp>
-        <mc:AlternateContent xmlns:mc="http://schemas.openxmlformats.org/markup-compatibility/2006">
-          <mc:Choice xmlns:a14="http://schemas.microsoft.com/office/drawing/2010/main" Requires="a14">
+        <mc:AlternateContent xmlns:mc="http://schemas.openxmlformats.org/markup-compatibility/2006" xmlns:a14="http://schemas.microsoft.com/office/drawing/2010/main">
+          <mc:Choice Requires="a14">
             <p:sp>
               <p:nvSpPr>
                 <p:cNvPr id="20" name="Rectangle 19">
@@ -20281,7 +20117,7 @@
               </p:txBody>
             </p:sp>
           </mc:Choice>
-          <mc:Fallback>
+          <mc:Fallback xmlns="">
             <p:sp>
               <p:nvSpPr>
                 <p:cNvPr id="20" name="Rectangle 19">
@@ -20472,8 +20308,8 @@
             </a:p>
           </p:txBody>
         </p:sp>
-        <mc:AlternateContent xmlns:mc="http://schemas.openxmlformats.org/markup-compatibility/2006">
-          <mc:Choice xmlns:a14="http://schemas.microsoft.com/office/drawing/2010/main" Requires="a14">
+        <mc:AlternateContent xmlns:mc="http://schemas.openxmlformats.org/markup-compatibility/2006" xmlns:a14="http://schemas.microsoft.com/office/drawing/2010/main">
+          <mc:Choice Requires="a14">
             <p:sp>
               <p:nvSpPr>
                 <p:cNvPr id="22" name="Rectangle 21">
@@ -20626,7 +20462,7 @@
               </p:txBody>
             </p:sp>
           </mc:Choice>
-          <mc:Fallback>
+          <mc:Fallback xmlns="">
             <p:sp>
               <p:nvSpPr>
                 <p:cNvPr id="22" name="Rectangle 21">
@@ -20817,8 +20653,8 @@
             </a:p>
           </p:txBody>
         </p:sp>
-        <mc:AlternateContent xmlns:mc="http://schemas.openxmlformats.org/markup-compatibility/2006">
-          <mc:Choice xmlns:a14="http://schemas.microsoft.com/office/drawing/2010/main" Requires="a14">
+        <mc:AlternateContent xmlns:mc="http://schemas.openxmlformats.org/markup-compatibility/2006" xmlns:a14="http://schemas.microsoft.com/office/drawing/2010/main">
+          <mc:Choice Requires="a14">
             <p:sp>
               <p:nvSpPr>
                 <p:cNvPr id="24" name="Rectangle 23">
@@ -20971,7 +20807,7 @@
               </p:txBody>
             </p:sp>
           </mc:Choice>
-          <mc:Fallback>
+          <mc:Fallback xmlns="">
             <p:sp>
               <p:nvSpPr>
                 <p:cNvPr id="24" name="Rectangle 23">
@@ -21167,8 +21003,8 @@
           </a:p>
         </p:txBody>
       </p:sp>
-      <mc:AlternateContent xmlns:mc="http://schemas.openxmlformats.org/markup-compatibility/2006">
-        <mc:Choice xmlns:a14="http://schemas.microsoft.com/office/drawing/2010/main" Requires="a14">
+      <mc:AlternateContent xmlns:mc="http://schemas.openxmlformats.org/markup-compatibility/2006" xmlns:a14="http://schemas.microsoft.com/office/drawing/2010/main">
+        <mc:Choice Requires="a14">
           <p:sp>
             <p:nvSpPr>
               <p:cNvPr id="15" name="Rectangle 14">
@@ -21337,7 +21173,7 @@
             </p:txBody>
           </p:sp>
         </mc:Choice>
-        <mc:Fallback>
+        <mc:Fallback xmlns="">
           <p:sp>
             <p:nvSpPr>
               <p:cNvPr id="15" name="Rectangle 14">
@@ -21725,8 +21561,8 @@
             </a:p>
           </p:txBody>
         </p:sp>
-        <mc:AlternateContent xmlns:mc="http://schemas.openxmlformats.org/markup-compatibility/2006">
-          <mc:Choice xmlns:a14="http://schemas.microsoft.com/office/drawing/2010/main" Requires="a14">
+        <mc:AlternateContent xmlns:mc="http://schemas.openxmlformats.org/markup-compatibility/2006" xmlns:a14="http://schemas.microsoft.com/office/drawing/2010/main">
+          <mc:Choice Requires="a14">
             <p:sp>
               <p:nvSpPr>
                 <p:cNvPr id="18" name="Rectangle 17">
@@ -21879,7 +21715,7 @@
               </p:txBody>
             </p:sp>
           </mc:Choice>
-          <mc:Fallback>
+          <mc:Fallback xmlns="">
             <p:sp>
               <p:nvSpPr>
                 <p:cNvPr id="18" name="Rectangle 17">
@@ -22248,8 +22084,8 @@
           </a:p>
         </p:txBody>
       </p:sp>
-      <mc:AlternateContent xmlns:mc="http://schemas.openxmlformats.org/markup-compatibility/2006">
-        <mc:Choice xmlns:a14="http://schemas.microsoft.com/office/drawing/2010/main" Requires="a14">
+      <mc:AlternateContent xmlns:mc="http://schemas.openxmlformats.org/markup-compatibility/2006" xmlns:a14="http://schemas.microsoft.com/office/drawing/2010/main">
+        <mc:Choice Requires="a14">
           <p:sp>
             <p:nvSpPr>
               <p:cNvPr id="3" name="Content Placeholder 2">
@@ -22915,7 +22751,7 @@
             </p:txBody>
           </p:sp>
         </mc:Choice>
-        <mc:Fallback>
+        <mc:Fallback xmlns="">
           <p:sp>
             <p:nvSpPr>
               <p:cNvPr id="3" name="Content Placeholder 2">
@@ -23023,8 +22859,8 @@
           </a:p>
         </p:txBody>
       </p:sp>
-      <mc:AlternateContent xmlns:mc="http://schemas.openxmlformats.org/markup-compatibility/2006">
-        <mc:Choice xmlns:a14="http://schemas.microsoft.com/office/drawing/2010/main" Requires="a14">
+      <mc:AlternateContent xmlns:mc="http://schemas.openxmlformats.org/markup-compatibility/2006" xmlns:a14="http://schemas.microsoft.com/office/drawing/2010/main">
+        <mc:Choice Requires="a14">
           <p:sp>
             <p:nvSpPr>
               <p:cNvPr id="3" name="Content Placeholder 2">
@@ -23702,7 +23538,7 @@
             </p:txBody>
           </p:sp>
         </mc:Choice>
-        <mc:Fallback>
+        <mc:Fallback xmlns="">
           <p:sp>
             <p:nvSpPr>
               <p:cNvPr id="3" name="Content Placeholder 2">
@@ -23982,8 +23818,8 @@
           </a:p>
         </p:txBody>
       </p:sp>
-      <mc:AlternateContent xmlns:mc="http://schemas.openxmlformats.org/markup-compatibility/2006">
-        <mc:Choice xmlns:a14="http://schemas.microsoft.com/office/drawing/2010/main" Requires="a14">
+      <mc:AlternateContent xmlns:mc="http://schemas.openxmlformats.org/markup-compatibility/2006" xmlns:a14="http://schemas.microsoft.com/office/drawing/2010/main">
+        <mc:Choice Requires="a14">
           <p:sp>
             <p:nvSpPr>
               <p:cNvPr id="3" name="Content Placeholder 2">
@@ -24653,7 +24489,7 @@
             </p:txBody>
           </p:sp>
         </mc:Choice>
-        <mc:Fallback>
+        <mc:Fallback xmlns="">
           <p:sp>
             <p:nvSpPr>
               <p:cNvPr id="3" name="Content Placeholder 2">
@@ -24804,8 +24640,8 @@
           </a:p>
         </p:txBody>
       </p:sp>
-      <mc:AlternateContent xmlns:mc="http://schemas.openxmlformats.org/markup-compatibility/2006">
-        <mc:Choice xmlns:a14="http://schemas.microsoft.com/office/drawing/2010/main" Requires="a14">
+      <mc:AlternateContent xmlns:mc="http://schemas.openxmlformats.org/markup-compatibility/2006" xmlns:a14="http://schemas.microsoft.com/office/drawing/2010/main">
+        <mc:Choice Requires="a14">
           <p:sp>
             <p:nvSpPr>
               <p:cNvPr id="3" name="Content Placeholder 2">
@@ -25518,7 +25354,7 @@
             </p:txBody>
           </p:sp>
         </mc:Choice>
-        <mc:Fallback>
+        <mc:Fallback xmlns="">
           <p:sp>
             <p:nvSpPr>
               <p:cNvPr id="3" name="Content Placeholder 2">
@@ -25636,8 +25472,8 @@
           </a:p>
         </p:txBody>
       </p:sp>
-      <mc:AlternateContent xmlns:mc="http://schemas.openxmlformats.org/markup-compatibility/2006">
-        <mc:Choice xmlns:a14="http://schemas.microsoft.com/office/drawing/2010/main" Requires="a14">
+      <mc:AlternateContent xmlns:mc="http://schemas.openxmlformats.org/markup-compatibility/2006" xmlns:a14="http://schemas.microsoft.com/office/drawing/2010/main">
+        <mc:Choice Requires="a14">
           <p:sp>
             <p:nvSpPr>
               <p:cNvPr id="3" name="Content Placeholder 2">
@@ -25714,7 +25550,9 @@
                     <m:d>
                       <m:dPr>
                         <m:ctrlPr>
-                          <a:rPr lang="ar-AE" i="1"/>
+                          <a:rPr lang="ar-AE" i="1">
+                            <a:latin typeface="Cambria Math" panose="02040503050406030204" pitchFamily="18" charset="0"/>
+                          </a:rPr>
                         </m:ctrlPr>
                       </m:dPr>
                       <m:e>
@@ -25746,7 +25584,7 @@
             </p:txBody>
           </p:sp>
         </mc:Choice>
-        <mc:Fallback>
+        <mc:Fallback xmlns="">
           <p:sp>
             <p:nvSpPr>
               <p:cNvPr id="3" name="Content Placeholder 2">
@@ -26890,183 +26728,6 @@
   <p:clrMapOvr>
     <a:masterClrMapping/>
   </p:clrMapOvr>
-  <p:timing>
-    <p:tnLst>
-      <p:par>
-        <p:cTn id="1" dur="indefinite" restart="never" nodeType="tmRoot">
-          <p:childTnLst>
-            <p:seq concurrent="1" nextAc="seek">
-              <p:cTn id="2" dur="indefinite" nodeType="mainSeq">
-                <p:childTnLst>
-                  <p:par>
-                    <p:cTn id="3" fill="hold">
-                      <p:stCondLst>
-                        <p:cond delay="indefinite"/>
-                      </p:stCondLst>
-                      <p:childTnLst>
-                        <p:par>
-                          <p:cTn id="4" fill="hold">
-                            <p:stCondLst>
-                              <p:cond delay="0"/>
-                            </p:stCondLst>
-                            <p:childTnLst>
-                              <p:par>
-                                <p:cTn id="5" presetID="1" presetClass="entr" presetSubtype="0" fill="hold" nodeType="clickEffect">
-                                  <p:stCondLst>
-                                    <p:cond delay="0"/>
-                                  </p:stCondLst>
-                                  <p:childTnLst>
-                                    <p:set>
-                                      <p:cBhvr>
-                                        <p:cTn id="6" dur="1" fill="hold">
-                                          <p:stCondLst>
-                                            <p:cond delay="0"/>
-                                          </p:stCondLst>
-                                        </p:cTn>
-                                        <p:tgtEl>
-                                          <p:spTgt spid="3">
-                                            <p:txEl>
-                                              <p:pRg st="4" end="4"/>
-                                            </p:txEl>
-                                          </p:spTgt>
-                                        </p:tgtEl>
-                                        <p:attrNameLst>
-                                          <p:attrName>style.visibility</p:attrName>
-                                        </p:attrNameLst>
-                                      </p:cBhvr>
-                                      <p:to>
-                                        <p:strVal val="visible"/>
-                                      </p:to>
-                                    </p:set>
-                                  </p:childTnLst>
-                                </p:cTn>
-                              </p:par>
-                            </p:childTnLst>
-                          </p:cTn>
-                        </p:par>
-                      </p:childTnLst>
-                    </p:cTn>
-                  </p:par>
-                  <p:par>
-                    <p:cTn id="7" fill="hold">
-                      <p:stCondLst>
-                        <p:cond delay="indefinite"/>
-                      </p:stCondLst>
-                      <p:childTnLst>
-                        <p:par>
-                          <p:cTn id="8" fill="hold">
-                            <p:stCondLst>
-                              <p:cond delay="0"/>
-                            </p:stCondLst>
-                            <p:childTnLst>
-                              <p:par>
-                                <p:cTn id="9" presetID="1" presetClass="entr" presetSubtype="0" fill="hold" nodeType="clickEffect">
-                                  <p:stCondLst>
-                                    <p:cond delay="0"/>
-                                  </p:stCondLst>
-                                  <p:childTnLst>
-                                    <p:set>
-                                      <p:cBhvr>
-                                        <p:cTn id="10" dur="1" fill="hold">
-                                          <p:stCondLst>
-                                            <p:cond delay="0"/>
-                                          </p:stCondLst>
-                                        </p:cTn>
-                                        <p:tgtEl>
-                                          <p:spTgt spid="3">
-                                            <p:txEl>
-                                              <p:pRg st="5" end="5"/>
-                                            </p:txEl>
-                                          </p:spTgt>
-                                        </p:tgtEl>
-                                        <p:attrNameLst>
-                                          <p:attrName>style.visibility</p:attrName>
-                                        </p:attrNameLst>
-                                      </p:cBhvr>
-                                      <p:to>
-                                        <p:strVal val="visible"/>
-                                      </p:to>
-                                    </p:set>
-                                  </p:childTnLst>
-                                </p:cTn>
-                              </p:par>
-                            </p:childTnLst>
-                          </p:cTn>
-                        </p:par>
-                      </p:childTnLst>
-                    </p:cTn>
-                  </p:par>
-                  <p:par>
-                    <p:cTn id="11" fill="hold">
-                      <p:stCondLst>
-                        <p:cond delay="indefinite"/>
-                      </p:stCondLst>
-                      <p:childTnLst>
-                        <p:par>
-                          <p:cTn id="12" fill="hold">
-                            <p:stCondLst>
-                              <p:cond delay="0"/>
-                            </p:stCondLst>
-                            <p:childTnLst>
-                              <p:par>
-                                <p:cTn id="13" presetID="1" presetClass="entr" presetSubtype="0" fill="hold" nodeType="clickEffect">
-                                  <p:stCondLst>
-                                    <p:cond delay="0"/>
-                                  </p:stCondLst>
-                                  <p:childTnLst>
-                                    <p:set>
-                                      <p:cBhvr>
-                                        <p:cTn id="14" dur="1" fill="hold">
-                                          <p:stCondLst>
-                                            <p:cond delay="0"/>
-                                          </p:stCondLst>
-                                        </p:cTn>
-                                        <p:tgtEl>
-                                          <p:spTgt spid="3">
-                                            <p:txEl>
-                                              <p:pRg st="6" end="6"/>
-                                            </p:txEl>
-                                          </p:spTgt>
-                                        </p:tgtEl>
-                                        <p:attrNameLst>
-                                          <p:attrName>style.visibility</p:attrName>
-                                        </p:attrNameLst>
-                                      </p:cBhvr>
-                                      <p:to>
-                                        <p:strVal val="visible"/>
-                                      </p:to>
-                                    </p:set>
-                                  </p:childTnLst>
-                                </p:cTn>
-                              </p:par>
-                            </p:childTnLst>
-                          </p:cTn>
-                        </p:par>
-                      </p:childTnLst>
-                    </p:cTn>
-                  </p:par>
-                </p:childTnLst>
-              </p:cTn>
-              <p:prevCondLst>
-                <p:cond evt="onPrev" delay="0">
-                  <p:tgtEl>
-                    <p:sldTgt/>
-                  </p:tgtEl>
-                </p:cond>
-              </p:prevCondLst>
-              <p:nextCondLst>
-                <p:cond evt="onNext" delay="0">
-                  <p:tgtEl>
-                    <p:sldTgt/>
-                  </p:tgtEl>
-                </p:cond>
-              </p:nextCondLst>
-            </p:seq>
-          </p:childTnLst>
-        </p:cTn>
-      </p:par>
-    </p:tnLst>
-  </p:timing>
 </p:sld>
 </file>
 
@@ -27115,8 +26776,8 @@
           </a:p>
         </p:txBody>
       </p:sp>
-      <mc:AlternateContent xmlns:mc="http://schemas.openxmlformats.org/markup-compatibility/2006">
-        <mc:Choice xmlns:a14="http://schemas.microsoft.com/office/drawing/2010/main" Requires="a14">
+      <mc:AlternateContent xmlns:mc="http://schemas.openxmlformats.org/markup-compatibility/2006" xmlns:a14="http://schemas.microsoft.com/office/drawing/2010/main">
+        <mc:Choice Requires="a14">
           <p:sp>
             <p:nvSpPr>
               <p:cNvPr id="5" name="TextBox 4">
@@ -27468,7 +27129,7 @@
             </p:txBody>
           </p:sp>
         </mc:Choice>
-        <mc:Fallback>
+        <mc:Fallback xmlns="">
           <p:sp>
             <p:nvSpPr>
               <p:cNvPr id="5" name="TextBox 4">
@@ -27624,8 +27285,8 @@
           </a:p>
         </p:txBody>
       </p:sp>
-      <mc:AlternateContent xmlns:mc="http://schemas.openxmlformats.org/markup-compatibility/2006">
-        <mc:Choice xmlns:a14="http://schemas.microsoft.com/office/drawing/2010/main" Requires="a14">
+      <mc:AlternateContent xmlns:mc="http://schemas.openxmlformats.org/markup-compatibility/2006" xmlns:a14="http://schemas.microsoft.com/office/drawing/2010/main">
+        <mc:Choice Requires="a14">
           <p:sp>
             <p:nvSpPr>
               <p:cNvPr id="8" name="TextBox 7">
@@ -27907,7 +27568,7 @@
             </p:txBody>
           </p:sp>
         </mc:Choice>
-        <mc:Fallback>
+        <mc:Fallback xmlns="">
           <p:sp>
             <p:nvSpPr>
               <p:cNvPr id="8" name="TextBox 7">
@@ -28059,8 +27720,8 @@
           </a:p>
         </p:txBody>
       </p:sp>
-      <mc:AlternateContent xmlns:mc="http://schemas.openxmlformats.org/markup-compatibility/2006">
-        <mc:Choice xmlns:a14="http://schemas.microsoft.com/office/drawing/2010/main" Requires="a14">
+      <mc:AlternateContent xmlns:mc="http://schemas.openxmlformats.org/markup-compatibility/2006" xmlns:a14="http://schemas.microsoft.com/office/drawing/2010/main">
+        <mc:Choice Requires="a14">
           <p:sp>
             <p:nvSpPr>
               <p:cNvPr id="11" name="Oval Callout 10">
@@ -28160,7 +27821,7 @@
             </p:txBody>
           </p:sp>
         </mc:Choice>
-        <mc:Fallback>
+        <mc:Fallback xmlns="">
           <p:sp>
             <p:nvSpPr>
               <p:cNvPr id="11" name="Oval Callout 10">
@@ -28535,8 +28196,8 @@
           </a:p>
         </p:txBody>
       </p:sp>
-      <mc:AlternateContent xmlns:mc="http://schemas.openxmlformats.org/markup-compatibility/2006">
-        <mc:Choice xmlns:a14="http://schemas.microsoft.com/office/drawing/2010/main" Requires="a14">
+      <mc:AlternateContent xmlns:mc="http://schemas.openxmlformats.org/markup-compatibility/2006" xmlns:a14="http://schemas.microsoft.com/office/drawing/2010/main">
+        <mc:Choice Requires="a14">
           <p:sp>
             <p:nvSpPr>
               <p:cNvPr id="3" name="Content Placeholder 2">
@@ -28829,7 +28490,7 @@
             </p:txBody>
           </p:sp>
         </mc:Choice>
-        <mc:Fallback>
+        <mc:Fallback xmlns="">
           <p:sp>
             <p:nvSpPr>
               <p:cNvPr id="3" name="Content Placeholder 2">
@@ -29652,8 +29313,56 @@
                   <a:buFont typeface="+mj-lt"/>
                   <a:buAutoNum type="arabicPeriod"/>
                 </a:pPr>
+                <a:r>
+                  <a:rPr lang="en-US" dirty="0">
+                    <a:ea typeface="Cambria Math" panose="02040503050406030204" pitchFamily="18" charset="0"/>
+                  </a:rPr>
+                  <a:t>Send </a:t>
+                </a:r>
                 <a14:m>
                   <m:oMath xmlns:m="http://schemas.openxmlformats.org/officeDocument/2006/math">
+                    <m:sSub>
+                      <m:sSubPr>
+                        <m:ctrlPr>
+                          <a:rPr lang="en-US" smtClean="0">
+                            <a:latin typeface="Cambria Math" panose="02040503050406030204" pitchFamily="18" charset="0"/>
+                            <a:ea typeface="Cambria Math" panose="02040503050406030204" pitchFamily="18" charset="0"/>
+                          </a:rPr>
+                        </m:ctrlPr>
+                      </m:sSubPr>
+                      <m:e>
+                        <m:r>
+                          <a:rPr lang="en-US" b="0" i="0" smtClean="0">
+                            <a:latin typeface="Cambria Math" panose="02040503050406030204" pitchFamily="18" charset="0"/>
+                            <a:ea typeface="Cambria Math" panose="02040503050406030204" pitchFamily="18" charset="0"/>
+                          </a:rPr>
+                          <m:t>[</m:t>
+                        </m:r>
+                        <m:r>
+                          <a:rPr lang="en-US" i="1">
+                            <a:latin typeface="Cambria Math" panose="02040503050406030204" pitchFamily="18" charset="0"/>
+                            <a:ea typeface="Cambria Math" panose="02040503050406030204" pitchFamily="18" charset="0"/>
+                          </a:rPr>
+                          <m:t>𝑒</m:t>
+                        </m:r>
+                      </m:e>
+                      <m:sub>
+                        <m:r>
+                          <a:rPr lang="en-US" i="1">
+                            <a:latin typeface="Cambria Math" panose="02040503050406030204" pitchFamily="18" charset="0"/>
+                            <a:ea typeface="Cambria Math" panose="02040503050406030204" pitchFamily="18" charset="0"/>
+                          </a:rPr>
+                          <m:t>𝑖</m:t>
+                        </m:r>
+                      </m:sub>
+                    </m:sSub>
+                    <m:r>
+                      <a:rPr lang="en-US" b="0" i="0" smtClean="0">
+                        <a:latin typeface="Cambria Math" panose="02040503050406030204" pitchFamily="18" charset="0"/>
+                        <a:ea typeface="Cambria Math" panose="02040503050406030204" pitchFamily="18" charset="0"/>
+                      </a:rPr>
+                      <m:t>,</m:t>
+                    </m:r>
                     <m:r>
                       <m:rPr>
                         <m:sty m:val="p"/>
@@ -29676,143 +29385,94 @@
                       <m:t>𝑘</m:t>
                     </m:r>
                     <m:r>
-                      <a:rPr lang="en-US">
+                      <a:rPr lang="en-US" b="0" i="0" smtClean="0">
                         <a:latin typeface="Cambria Math" panose="02040503050406030204" pitchFamily="18" charset="0"/>
                       </a:rPr>
                       <m:t>,</m:t>
                     </m:r>
-                    <m:d>
-                      <m:dPr>
-                        <m:begChr m:val="["/>
+                    <m:sSub>
+                      <m:sSubPr>
                         <m:ctrlPr>
-                          <a:rPr lang="en-US" b="0" i="1" smtClean="0">
+                          <a:rPr lang="en-US" i="1">
                             <a:latin typeface="Cambria Math" panose="02040503050406030204" pitchFamily="18" charset="0"/>
                           </a:rPr>
                         </m:ctrlPr>
-                      </m:dPr>
+                      </m:sSubPr>
                       <m:e>
-                        <m:sSub>
-                          <m:sSubPr>
-                            <m:ctrlPr>
-                              <a:rPr lang="en-US" i="1">
-                                <a:latin typeface="Cambria Math" panose="02040503050406030204" pitchFamily="18" charset="0"/>
-                                <a:ea typeface="Cambria Math" panose="02040503050406030204" pitchFamily="18" charset="0"/>
-                              </a:rPr>
-                            </m:ctrlPr>
-                          </m:sSubPr>
-                          <m:e>
-                            <m:r>
-                              <a:rPr lang="en-US" i="1">
-                                <a:latin typeface="Cambria Math" panose="02040503050406030204" pitchFamily="18" charset="0"/>
-                                <a:ea typeface="Cambria Math" panose="02040503050406030204" pitchFamily="18" charset="0"/>
-                              </a:rPr>
-                              <m:t>𝑒</m:t>
-                            </m:r>
-                          </m:e>
-                          <m:sub>
-                            <m:r>
-                              <a:rPr lang="en-US" i="1">
-                                <a:latin typeface="Cambria Math" panose="02040503050406030204" pitchFamily="18" charset="0"/>
-                                <a:ea typeface="Cambria Math" panose="02040503050406030204" pitchFamily="18" charset="0"/>
-                              </a:rPr>
-                              <m:t>𝑖</m:t>
-                            </m:r>
-                          </m:sub>
-                        </m:sSub>
+                        <m:r>
+                          <a:rPr lang="en-US" i="1">
+                            <a:latin typeface="Cambria Math" panose="02040503050406030204" pitchFamily="18" charset="0"/>
+                          </a:rPr>
+                          <m:t>𝑚</m:t>
+                        </m:r>
+                      </m:e>
+                      <m:sub>
+                        <m:r>
+                          <m:rPr>
+                            <m:sty m:val="p"/>
+                          </m:rPr>
+                          <a:rPr lang="en-US">
+                            <a:latin typeface="Cambria Math" panose="02040503050406030204" pitchFamily="18" charset="0"/>
+                          </a:rPr>
+                          <m:t>i</m:t>
+                        </m:r>
+                      </m:sub>
+                    </m:sSub>
+                    <m:r>
+                      <a:rPr lang="en-US" b="1" i="1">
+                        <a:latin typeface="Cambria Math" panose="02040503050406030204" pitchFamily="18" charset="0"/>
+                        <a:ea typeface="Cambria Math" panose="02040503050406030204" pitchFamily="18" charset="0"/>
+                      </a:rPr>
+                      <m:t>⊕</m:t>
+                    </m:r>
+                    <m:sSub>
+                      <m:sSubPr>
+                        <m:ctrlPr>
+                          <a:rPr lang="en-US" i="1">
+                            <a:latin typeface="Cambria Math" panose="02040503050406030204" pitchFamily="18" charset="0"/>
+                            <a:ea typeface="Cambria Math" panose="02040503050406030204" pitchFamily="18" charset="0"/>
+                          </a:rPr>
+                        </m:ctrlPr>
+                      </m:sSubPr>
+                      <m:e>
                         <m:r>
                           <a:rPr lang="en-US" i="1">
                             <a:latin typeface="Cambria Math" panose="02040503050406030204" pitchFamily="18" charset="0"/>
                             <a:ea typeface="Cambria Math" panose="02040503050406030204" pitchFamily="18" charset="0"/>
                           </a:rPr>
-                          <m:t>∥</m:t>
+                          <m:t>𝑒</m:t>
                         </m:r>
-                        <m:sSub>
-                          <m:sSubPr>
-                            <m:ctrlPr>
-                              <a:rPr lang="en-US" b="0" i="1" smtClean="0">
-                                <a:latin typeface="Cambria Math" panose="02040503050406030204" pitchFamily="18" charset="0"/>
-                              </a:rPr>
-                            </m:ctrlPr>
-                          </m:sSubPr>
-                          <m:e>
-                            <m:r>
-                              <a:rPr lang="en-US" i="1">
-                                <a:latin typeface="Cambria Math" panose="02040503050406030204" pitchFamily="18" charset="0"/>
-                              </a:rPr>
-                              <m:t>𝑚</m:t>
-                            </m:r>
-                          </m:e>
-                          <m:sub>
-                            <m:r>
-                              <m:rPr>
-                                <m:sty m:val="p"/>
-                              </m:rPr>
-                              <a:rPr lang="en-US" b="0" i="0" smtClean="0">
-                                <a:latin typeface="Cambria Math" panose="02040503050406030204" pitchFamily="18" charset="0"/>
-                              </a:rPr>
-                              <m:t>i</m:t>
-                            </m:r>
-                          </m:sub>
-                        </m:sSub>
+                      </m:e>
+                      <m:sub>
                         <m:r>
-                          <a:rPr lang="en-US" b="1" i="1" smtClean="0">
-                            <a:solidFill>
-                              <a:schemeClr val="tx1"/>
-                            </a:solidFill>
+                          <a:rPr lang="en-US" i="1">
                             <a:latin typeface="Cambria Math" panose="02040503050406030204" pitchFamily="18" charset="0"/>
                             <a:ea typeface="Cambria Math" panose="02040503050406030204" pitchFamily="18" charset="0"/>
                           </a:rPr>
-                          <m:t>⊕</m:t>
+                          <m:t>𝑖</m:t>
                         </m:r>
-                        <m:sSub>
-                          <m:sSubPr>
-                            <m:ctrlPr>
-                              <a:rPr lang="en-US" b="0" i="1" smtClean="0">
-                                <a:solidFill>
-                                  <a:schemeClr val="tx1"/>
-                                </a:solidFill>
-                                <a:latin typeface="Cambria Math" panose="02040503050406030204" pitchFamily="18" charset="0"/>
-                                <a:ea typeface="Cambria Math" panose="02040503050406030204" pitchFamily="18" charset="0"/>
-                              </a:rPr>
-                            </m:ctrlPr>
-                          </m:sSubPr>
-                          <m:e>
-                            <m:r>
-                              <a:rPr lang="en-US" b="0" i="1" smtClean="0">
-                                <a:solidFill>
-                                  <a:schemeClr val="tx1"/>
-                                </a:solidFill>
-                                <a:latin typeface="Cambria Math" panose="02040503050406030204" pitchFamily="18" charset="0"/>
-                                <a:ea typeface="Cambria Math" panose="02040503050406030204" pitchFamily="18" charset="0"/>
-                              </a:rPr>
-                              <m:t>𝑒</m:t>
-                            </m:r>
-                          </m:e>
-                          <m:sub>
-                            <m:r>
-                              <a:rPr lang="en-US" b="0" i="1" smtClean="0">
-                                <a:solidFill>
-                                  <a:schemeClr val="tx1"/>
-                                </a:solidFill>
-                                <a:latin typeface="Cambria Math" panose="02040503050406030204" pitchFamily="18" charset="0"/>
-                                <a:ea typeface="Cambria Math" panose="02040503050406030204" pitchFamily="18" charset="0"/>
-                              </a:rPr>
-                              <m:t>𝑖</m:t>
-                            </m:r>
-                          </m:sub>
-                        </m:sSub>
-                        <m:r>
-                          <a:rPr lang="en-US" b="0" i="1" smtClean="0">
-                            <a:latin typeface="Cambria Math" panose="02040503050406030204" pitchFamily="18" charset="0"/>
-                            <a:ea typeface="Cambria Math" panose="02040503050406030204" pitchFamily="18" charset="0"/>
-                          </a:rPr>
-                          <m:t>]</m:t>
-                        </m:r>
-                      </m:e>
-                    </m:d>
+                      </m:sub>
+                    </m:sSub>
+                    <m:r>
+                      <a:rPr lang="en-US" b="0" i="1" smtClean="0">
+                        <a:latin typeface="Cambria Math" panose="02040503050406030204" pitchFamily="18" charset="0"/>
+                        <a:ea typeface="Cambria Math" panose="02040503050406030204" pitchFamily="18" charset="0"/>
+                      </a:rPr>
+                      <m:t>)</m:t>
+                    </m:r>
+                    <m:r>
+                      <a:rPr lang="en-US" b="0" i="1" smtClean="0">
+                        <a:latin typeface="Cambria Math" panose="02040503050406030204" pitchFamily="18" charset="0"/>
+                        <a:ea typeface="Cambria Math" panose="02040503050406030204" pitchFamily="18" charset="0"/>
+                      </a:rPr>
+                      <m:t>]</m:t>
+                    </m:r>
                   </m:oMath>
                 </a14:m>
-                <a:endParaRPr lang="en-US" dirty="0"/>
+                <a:r>
+                  <a:rPr lang="en-US" dirty="0"/>
+                  <a:t> as a ciphertext</a:t>
+                </a:r>
               </a:p>
               <a:p>
                 <a:pPr marL="0" indent="0">
@@ -30060,6 +29720,48 @@
                       </a:rPr>
                       <m:t>{</m:t>
                     </m:r>
+                    <m:sSub>
+                      <m:sSubPr>
+                        <m:ctrlPr>
+                          <a:rPr lang="en-US" i="1">
+                            <a:latin typeface="Cambria Math" panose="02040503050406030204" pitchFamily="18" charset="0"/>
+                            <a:ea typeface="Cambria Math" panose="02040503050406030204" pitchFamily="18" charset="0"/>
+                          </a:rPr>
+                        </m:ctrlPr>
+                      </m:sSubPr>
+                      <m:e>
+                        <m:r>
+                          <a:rPr lang="en-US">
+                            <a:latin typeface="Cambria Math" panose="02040503050406030204" pitchFamily="18" charset="0"/>
+                            <a:ea typeface="Cambria Math" panose="02040503050406030204" pitchFamily="18" charset="0"/>
+                          </a:rPr>
+                          <m:t>[</m:t>
+                        </m:r>
+                        <m:r>
+                          <a:rPr lang="en-US" i="1">
+                            <a:latin typeface="Cambria Math" panose="02040503050406030204" pitchFamily="18" charset="0"/>
+                            <a:ea typeface="Cambria Math" panose="02040503050406030204" pitchFamily="18" charset="0"/>
+                          </a:rPr>
+                          <m:t>𝑒</m:t>
+                        </m:r>
+                      </m:e>
+                      <m:sub>
+                        <m:r>
+                          <a:rPr lang="en-US" b="0" i="1" smtClean="0">
+                            <a:latin typeface="Cambria Math" panose="02040503050406030204" pitchFamily="18" charset="0"/>
+                            <a:ea typeface="Cambria Math" panose="02040503050406030204" pitchFamily="18" charset="0"/>
+                          </a:rPr>
+                          <m:t>1</m:t>
+                        </m:r>
+                      </m:sub>
+                    </m:sSub>
+                    <m:r>
+                      <a:rPr lang="en-US">
+                        <a:latin typeface="Cambria Math" panose="02040503050406030204" pitchFamily="18" charset="0"/>
+                        <a:ea typeface="Cambria Math" panose="02040503050406030204" pitchFamily="18" charset="0"/>
+                      </a:rPr>
+                      <m:t>,</m:t>
+                    </m:r>
                     <m:r>
                       <m:rPr>
                         <m:sty m:val="p"/>
@@ -30087,120 +29789,73 @@
                       </a:rPr>
                       <m:t>,</m:t>
                     </m:r>
-                    <m:d>
-                      <m:dPr>
-                        <m:begChr m:val="["/>
+                    <m:sSub>
+                      <m:sSubPr>
                         <m:ctrlPr>
                           <a:rPr lang="en-US" i="1">
                             <a:latin typeface="Cambria Math" panose="02040503050406030204" pitchFamily="18" charset="0"/>
                           </a:rPr>
                         </m:ctrlPr>
-                      </m:dPr>
+                      </m:sSubPr>
                       <m:e>
-                        <m:sSub>
-                          <m:sSubPr>
-                            <m:ctrlPr>
-                              <a:rPr lang="en-US" i="1">
-                                <a:latin typeface="Cambria Math" panose="02040503050406030204" pitchFamily="18" charset="0"/>
-                                <a:ea typeface="Cambria Math" panose="02040503050406030204" pitchFamily="18" charset="0"/>
-                              </a:rPr>
-                            </m:ctrlPr>
-                          </m:sSubPr>
-                          <m:e>
-                            <m:r>
-                              <a:rPr lang="en-US" i="1">
-                                <a:latin typeface="Cambria Math" panose="02040503050406030204" pitchFamily="18" charset="0"/>
-                                <a:ea typeface="Cambria Math" panose="02040503050406030204" pitchFamily="18" charset="0"/>
-                              </a:rPr>
-                              <m:t>𝑒</m:t>
-                            </m:r>
-                          </m:e>
-                          <m:sub>
-                            <m:r>
-                              <a:rPr lang="en-US" b="0" i="1" smtClean="0">
-                                <a:latin typeface="Cambria Math" panose="02040503050406030204" pitchFamily="18" charset="0"/>
-                                <a:ea typeface="Cambria Math" panose="02040503050406030204" pitchFamily="18" charset="0"/>
-                              </a:rPr>
-                              <m:t>1</m:t>
-                            </m:r>
-                          </m:sub>
-                        </m:sSub>
+                        <m:r>
+                          <a:rPr lang="en-US" i="1">
+                            <a:latin typeface="Cambria Math" panose="02040503050406030204" pitchFamily="18" charset="0"/>
+                          </a:rPr>
+                          <m:t>𝑚</m:t>
+                        </m:r>
+                      </m:e>
+                      <m:sub>
+                        <m:r>
+                          <a:rPr lang="en-US" b="0" i="0" smtClean="0">
+                            <a:latin typeface="Cambria Math" panose="02040503050406030204" pitchFamily="18" charset="0"/>
+                          </a:rPr>
+                          <m:t>1</m:t>
+                        </m:r>
+                      </m:sub>
+                    </m:sSub>
+                    <m:r>
+                      <a:rPr lang="en-US" b="1" i="1">
+                        <a:latin typeface="Cambria Math" panose="02040503050406030204" pitchFamily="18" charset="0"/>
+                        <a:ea typeface="Cambria Math" panose="02040503050406030204" pitchFamily="18" charset="0"/>
+                      </a:rPr>
+                      <m:t>⊕</m:t>
+                    </m:r>
+                    <m:sSub>
+                      <m:sSubPr>
+                        <m:ctrlPr>
+                          <a:rPr lang="en-US" i="1">
+                            <a:latin typeface="Cambria Math" panose="02040503050406030204" pitchFamily="18" charset="0"/>
+                            <a:ea typeface="Cambria Math" panose="02040503050406030204" pitchFamily="18" charset="0"/>
+                          </a:rPr>
+                        </m:ctrlPr>
+                      </m:sSubPr>
+                      <m:e>
                         <m:r>
                           <a:rPr lang="en-US" i="1">
                             <a:latin typeface="Cambria Math" panose="02040503050406030204" pitchFamily="18" charset="0"/>
                             <a:ea typeface="Cambria Math" panose="02040503050406030204" pitchFamily="18" charset="0"/>
                           </a:rPr>
-                          <m:t>∥</m:t>
+                          <m:t>𝑒</m:t>
                         </m:r>
-                        <m:sSub>
-                          <m:sSubPr>
-                            <m:ctrlPr>
-                              <a:rPr lang="en-US" i="1">
-                                <a:latin typeface="Cambria Math" panose="02040503050406030204" pitchFamily="18" charset="0"/>
-                              </a:rPr>
-                            </m:ctrlPr>
-                          </m:sSubPr>
-                          <m:e>
-                            <m:r>
-                              <a:rPr lang="en-US" i="1">
-                                <a:latin typeface="Cambria Math" panose="02040503050406030204" pitchFamily="18" charset="0"/>
-                              </a:rPr>
-                              <m:t>𝑚</m:t>
-                            </m:r>
-                          </m:e>
-                          <m:sub>
-                            <m:r>
-                              <a:rPr lang="en-US" b="0" i="0" smtClean="0">
-                                <a:latin typeface="Cambria Math" panose="02040503050406030204" pitchFamily="18" charset="0"/>
-                              </a:rPr>
-                              <m:t>1</m:t>
-                            </m:r>
-                          </m:sub>
-                        </m:sSub>
+                      </m:e>
+                      <m:sub>
                         <m:r>
-                          <a:rPr lang="en-US" b="1" i="1">
+                          <a:rPr lang="en-US" b="0" i="1" smtClean="0">
                             <a:latin typeface="Cambria Math" panose="02040503050406030204" pitchFamily="18" charset="0"/>
                             <a:ea typeface="Cambria Math" panose="02040503050406030204" pitchFamily="18" charset="0"/>
                           </a:rPr>
-                          <m:t>⊕</m:t>
+                          <m:t>1</m:t>
                         </m:r>
-                        <m:sSub>
-                          <m:sSubPr>
-                            <m:ctrlPr>
-                              <a:rPr lang="en-US" i="1">
-                                <a:latin typeface="Cambria Math" panose="02040503050406030204" pitchFamily="18" charset="0"/>
-                                <a:ea typeface="Cambria Math" panose="02040503050406030204" pitchFamily="18" charset="0"/>
-                              </a:rPr>
-                            </m:ctrlPr>
-                          </m:sSubPr>
-                          <m:e>
-                            <m:r>
-                              <a:rPr lang="en-US" i="1">
-                                <a:latin typeface="Cambria Math" panose="02040503050406030204" pitchFamily="18" charset="0"/>
-                                <a:ea typeface="Cambria Math" panose="02040503050406030204" pitchFamily="18" charset="0"/>
-                              </a:rPr>
-                              <m:t>𝑒</m:t>
-                            </m:r>
-                          </m:e>
-                          <m:sub>
-                            <m:r>
-                              <a:rPr lang="en-US" b="0" i="1" smtClean="0">
-                                <a:latin typeface="Cambria Math" panose="02040503050406030204" pitchFamily="18" charset="0"/>
-                                <a:ea typeface="Cambria Math" panose="02040503050406030204" pitchFamily="18" charset="0"/>
-                              </a:rPr>
-                              <m:t>1</m:t>
-                            </m:r>
-                          </m:sub>
-                        </m:sSub>
-                        <m:r>
-                          <a:rPr lang="en-US" i="1">
-                            <a:latin typeface="Cambria Math" panose="02040503050406030204" pitchFamily="18" charset="0"/>
-                            <a:ea typeface="Cambria Math" panose="02040503050406030204" pitchFamily="18" charset="0"/>
-                          </a:rPr>
-                          <m:t>]</m:t>
-                        </m:r>
-                      </m:e>
-                    </m:d>
+                      </m:sub>
+                    </m:sSub>
+                    <m:r>
+                      <a:rPr lang="en-US" i="1">
+                        <a:latin typeface="Cambria Math" panose="02040503050406030204" pitchFamily="18" charset="0"/>
+                        <a:ea typeface="Cambria Math" panose="02040503050406030204" pitchFamily="18" charset="0"/>
+                      </a:rPr>
+                      <m:t>)]</m:t>
+                    </m:r>
                   </m:oMath>
                 </a14:m>
                 <a:r>
@@ -30209,6 +29864,48 @@
                 </a:r>
                 <a14:m>
                   <m:oMath xmlns:m="http://schemas.openxmlformats.org/officeDocument/2006/math">
+                    <m:sSub>
+                      <m:sSubPr>
+                        <m:ctrlPr>
+                          <a:rPr lang="en-US" i="1">
+                            <a:latin typeface="Cambria Math" panose="02040503050406030204" pitchFamily="18" charset="0"/>
+                            <a:ea typeface="Cambria Math" panose="02040503050406030204" pitchFamily="18" charset="0"/>
+                          </a:rPr>
+                        </m:ctrlPr>
+                      </m:sSubPr>
+                      <m:e>
+                        <m:r>
+                          <a:rPr lang="en-US">
+                            <a:latin typeface="Cambria Math" panose="02040503050406030204" pitchFamily="18" charset="0"/>
+                            <a:ea typeface="Cambria Math" panose="02040503050406030204" pitchFamily="18" charset="0"/>
+                          </a:rPr>
+                          <m:t>[</m:t>
+                        </m:r>
+                        <m:r>
+                          <a:rPr lang="en-US" i="1">
+                            <a:latin typeface="Cambria Math" panose="02040503050406030204" pitchFamily="18" charset="0"/>
+                            <a:ea typeface="Cambria Math" panose="02040503050406030204" pitchFamily="18" charset="0"/>
+                          </a:rPr>
+                          <m:t>𝑒</m:t>
+                        </m:r>
+                      </m:e>
+                      <m:sub>
+                        <m:r>
+                          <a:rPr lang="en-US" b="0" i="1" smtClean="0">
+                            <a:latin typeface="Cambria Math" panose="02040503050406030204" pitchFamily="18" charset="0"/>
+                            <a:ea typeface="Cambria Math" panose="02040503050406030204" pitchFamily="18" charset="0"/>
+                          </a:rPr>
+                          <m:t>𝑛</m:t>
+                        </m:r>
+                      </m:sub>
+                    </m:sSub>
+                    <m:r>
+                      <a:rPr lang="en-US">
+                        <a:latin typeface="Cambria Math" panose="02040503050406030204" pitchFamily="18" charset="0"/>
+                        <a:ea typeface="Cambria Math" panose="02040503050406030204" pitchFamily="18" charset="0"/>
+                      </a:rPr>
+                      <m:t>,</m:t>
+                    </m:r>
                     <m:r>
                       <m:rPr>
                         <m:sty m:val="p"/>
@@ -30218,149 +29915,97 @@
                       </a:rPr>
                       <m:t>Enc</m:t>
                     </m:r>
-                    <m:d>
-                      <m:dPr>
-                        <m:endChr m:val="}"/>
+                    <m:r>
+                      <a:rPr lang="en-US">
+                        <a:latin typeface="Cambria Math" panose="02040503050406030204" pitchFamily="18" charset="0"/>
+                      </a:rPr>
+                      <m:t>(</m:t>
+                    </m:r>
+                    <m:r>
+                      <a:rPr lang="en-US" i="1">
+                        <a:latin typeface="Cambria Math" panose="02040503050406030204" pitchFamily="18" charset="0"/>
+                      </a:rPr>
+                      <m:t>𝑘</m:t>
+                    </m:r>
+                    <m:r>
+                      <a:rPr lang="en-US">
+                        <a:latin typeface="Cambria Math" panose="02040503050406030204" pitchFamily="18" charset="0"/>
+                      </a:rPr>
+                      <m:t>,</m:t>
+                    </m:r>
+                    <m:sSub>
+                      <m:sSubPr>
                         <m:ctrlPr>
                           <a:rPr lang="en-US" i="1">
                             <a:latin typeface="Cambria Math" panose="02040503050406030204" pitchFamily="18" charset="0"/>
                           </a:rPr>
                         </m:ctrlPr>
-                      </m:dPr>
+                      </m:sSubPr>
                       <m:e>
                         <m:r>
                           <a:rPr lang="en-US" i="1">
                             <a:latin typeface="Cambria Math" panose="02040503050406030204" pitchFamily="18" charset="0"/>
                           </a:rPr>
-                          <m:t>𝑘</m:t>
+                          <m:t>𝑚</m:t>
                         </m:r>
+                      </m:e>
+                      <m:sub>
                         <m:r>
-                          <a:rPr lang="en-US">
+                          <a:rPr lang="en-US" b="0" i="1" smtClean="0">
                             <a:latin typeface="Cambria Math" panose="02040503050406030204" pitchFamily="18" charset="0"/>
                           </a:rPr>
-                          <m:t>,</m:t>
+                          <m:t>𝑛</m:t>
                         </m:r>
-                        <m:d>
-                          <m:dPr>
-                            <m:begChr m:val="["/>
-                            <m:ctrlPr>
-                              <a:rPr lang="en-US" i="1">
-                                <a:latin typeface="Cambria Math" panose="02040503050406030204" pitchFamily="18" charset="0"/>
-                              </a:rPr>
-                            </m:ctrlPr>
-                          </m:dPr>
-                          <m:e>
-                            <m:sSub>
-                              <m:sSubPr>
-                                <m:ctrlPr>
-                                  <a:rPr lang="en-US" i="1">
-                                    <a:latin typeface="Cambria Math" panose="02040503050406030204" pitchFamily="18" charset="0"/>
-                                    <a:ea typeface="Cambria Math" panose="02040503050406030204" pitchFamily="18" charset="0"/>
-                                  </a:rPr>
-                                </m:ctrlPr>
-                              </m:sSubPr>
-                              <m:e>
-                                <m:r>
-                                  <a:rPr lang="en-US" i="1">
-                                    <a:latin typeface="Cambria Math" panose="02040503050406030204" pitchFamily="18" charset="0"/>
-                                    <a:ea typeface="Cambria Math" panose="02040503050406030204" pitchFamily="18" charset="0"/>
-                                  </a:rPr>
-                                  <m:t>𝑒</m:t>
-                                </m:r>
-                              </m:e>
-                              <m:sub>
-                                <m:r>
-                                  <a:rPr lang="en-US" b="0" i="1" smtClean="0">
-                                    <a:latin typeface="Cambria Math" panose="02040503050406030204" pitchFamily="18" charset="0"/>
-                                    <a:ea typeface="Cambria Math" panose="02040503050406030204" pitchFamily="18" charset="0"/>
-                                  </a:rPr>
-                                  <m:t>𝑛</m:t>
-                                </m:r>
-                              </m:sub>
-                            </m:sSub>
-                            <m:r>
-                              <a:rPr lang="en-US" i="1">
-                                <a:latin typeface="Cambria Math" panose="02040503050406030204" pitchFamily="18" charset="0"/>
-                                <a:ea typeface="Cambria Math" panose="02040503050406030204" pitchFamily="18" charset="0"/>
-                              </a:rPr>
-                              <m:t>∥</m:t>
-                            </m:r>
-                            <m:sSub>
-                              <m:sSubPr>
-                                <m:ctrlPr>
-                                  <a:rPr lang="en-US" i="1">
-                                    <a:latin typeface="Cambria Math" panose="02040503050406030204" pitchFamily="18" charset="0"/>
-                                  </a:rPr>
-                                </m:ctrlPr>
-                              </m:sSubPr>
-                              <m:e>
-                                <m:r>
-                                  <a:rPr lang="en-US" i="1">
-                                    <a:latin typeface="Cambria Math" panose="02040503050406030204" pitchFamily="18" charset="0"/>
-                                  </a:rPr>
-                                  <m:t>𝑚</m:t>
-                                </m:r>
-                              </m:e>
-                              <m:sub>
-                                <m:r>
-                                  <m:rPr>
-                                    <m:sty m:val="p"/>
-                                  </m:rPr>
-                                  <a:rPr lang="en-US" b="0" i="0" smtClean="0">
-                                    <a:latin typeface="Cambria Math" panose="02040503050406030204" pitchFamily="18" charset="0"/>
-                                  </a:rPr>
-                                  <m:t>n</m:t>
-                                </m:r>
-                              </m:sub>
-                            </m:sSub>
-                            <m:r>
-                              <a:rPr lang="en-US" b="1" i="1">
-                                <a:latin typeface="Cambria Math" panose="02040503050406030204" pitchFamily="18" charset="0"/>
-                                <a:ea typeface="Cambria Math" panose="02040503050406030204" pitchFamily="18" charset="0"/>
-                              </a:rPr>
-                              <m:t>⊕</m:t>
-                            </m:r>
-                            <m:sSub>
-                              <m:sSubPr>
-                                <m:ctrlPr>
-                                  <a:rPr lang="en-US" i="1">
-                                    <a:latin typeface="Cambria Math" panose="02040503050406030204" pitchFamily="18" charset="0"/>
-                                    <a:ea typeface="Cambria Math" panose="02040503050406030204" pitchFamily="18" charset="0"/>
-                                  </a:rPr>
-                                </m:ctrlPr>
-                              </m:sSubPr>
-                              <m:e>
-                                <m:r>
-                                  <a:rPr lang="en-US" i="1">
-                                    <a:latin typeface="Cambria Math" panose="02040503050406030204" pitchFamily="18" charset="0"/>
-                                    <a:ea typeface="Cambria Math" panose="02040503050406030204" pitchFamily="18" charset="0"/>
-                                  </a:rPr>
-                                  <m:t>𝑒</m:t>
-                                </m:r>
-                              </m:e>
-                              <m:sub>
-                                <m:r>
-                                  <a:rPr lang="en-US" b="0" i="1" smtClean="0">
-                                    <a:latin typeface="Cambria Math" panose="02040503050406030204" pitchFamily="18" charset="0"/>
-                                    <a:ea typeface="Cambria Math" panose="02040503050406030204" pitchFamily="18" charset="0"/>
-                                  </a:rPr>
-                                  <m:t>𝑛</m:t>
-                                </m:r>
-                              </m:sub>
-                            </m:sSub>
-                            <m:r>
-                              <a:rPr lang="en-US" i="1">
-                                <a:latin typeface="Cambria Math" panose="02040503050406030204" pitchFamily="18" charset="0"/>
-                                <a:ea typeface="Cambria Math" panose="02040503050406030204" pitchFamily="18" charset="0"/>
-                              </a:rPr>
-                              <m:t>]</m:t>
-                            </m:r>
-                          </m:e>
-                        </m:d>
+                      </m:sub>
+                    </m:sSub>
+                    <m:r>
+                      <a:rPr lang="en-US" b="1" i="1">
+                        <a:latin typeface="Cambria Math" panose="02040503050406030204" pitchFamily="18" charset="0"/>
+                        <a:ea typeface="Cambria Math" panose="02040503050406030204" pitchFamily="18" charset="0"/>
+                      </a:rPr>
+                      <m:t>⊕</m:t>
+                    </m:r>
+                    <m:sSub>
+                      <m:sSubPr>
+                        <m:ctrlPr>
+                          <a:rPr lang="en-US" i="1">
+                            <a:latin typeface="Cambria Math" panose="02040503050406030204" pitchFamily="18" charset="0"/>
+                            <a:ea typeface="Cambria Math" panose="02040503050406030204" pitchFamily="18" charset="0"/>
+                          </a:rPr>
+                        </m:ctrlPr>
+                      </m:sSubPr>
+                      <m:e>
+                        <m:r>
+                          <a:rPr lang="en-US" i="1">
+                            <a:latin typeface="Cambria Math" panose="02040503050406030204" pitchFamily="18" charset="0"/>
+                            <a:ea typeface="Cambria Math" panose="02040503050406030204" pitchFamily="18" charset="0"/>
+                          </a:rPr>
+                          <m:t>𝑒</m:t>
+                        </m:r>
                       </m:e>
-                    </m:d>
+                      <m:sub>
+                        <m:r>
+                          <a:rPr lang="en-US" b="0" i="1" smtClean="0">
+                            <a:latin typeface="Cambria Math" panose="02040503050406030204" pitchFamily="18" charset="0"/>
+                            <a:ea typeface="Cambria Math" panose="02040503050406030204" pitchFamily="18" charset="0"/>
+                          </a:rPr>
+                          <m:t>𝑛</m:t>
+                        </m:r>
+                      </m:sub>
+                    </m:sSub>
+                    <m:r>
+                      <a:rPr lang="en-US" i="1">
+                        <a:latin typeface="Cambria Math" panose="02040503050406030204" pitchFamily="18" charset="0"/>
+                        <a:ea typeface="Cambria Math" panose="02040503050406030204" pitchFamily="18" charset="0"/>
+                      </a:rPr>
+                      <m:t>)]</m:t>
+                    </m:r>
                   </m:oMath>
                 </a14:m>
+                <a:r>
+                  <a:rPr lang="en-US" dirty="0"/>
+                  <a:t>}</a:t>
+                </a:r>
                 <a:endParaRPr lang="en-US" b="0" dirty="0">
                   <a:ea typeface="Cambria Math" panose="02040503050406030204" pitchFamily="18" charset="0"/>
                 </a:endParaRPr>
@@ -30378,13 +30023,12 @@
                 </a:r>
               </a:p>
               <a:p>
-                <a:pPr marL="914400" lvl="1" indent="-457200">
-                  <a:buFont typeface="+mj-lt"/>
-                  <a:buAutoNum type="arabicPeriod"/>
+                <a:pPr marL="457200" lvl="1" indent="0">
+                  <a:buNone/>
                 </a:pPr>
                 <a:r>
                   <a:rPr lang="en-US" dirty="0"/>
-                  <a:t>if there exists an adversary who can distinguish </a:t>
+                  <a:t>Goal: if there exists an adversary who can distinguish </a:t>
                 </a:r>
                 <a14:m>
                   <m:oMath xmlns:m="http://schemas.openxmlformats.org/officeDocument/2006/math">
@@ -30515,18 +30159,17 @@
                         </m:r>
                       </m:e>
                     </m:d>
+                    <m:r>
+                      <a:rPr lang="en-US" b="1" i="0" dirty="0" smtClean="0">
+                        <a:latin typeface="Cambria Math" panose="02040503050406030204" pitchFamily="18" charset="0"/>
+                      </a:rPr>
+                      <m:t>,</m:t>
+                    </m:r>
                   </m:oMath>
                 </a14:m>
-                <a:endParaRPr lang="en-US" b="1" dirty="0"/>
-              </a:p>
-              <a:p>
-                <a:pPr marL="914400" lvl="1" indent="-457200">
-                  <a:buFont typeface="+mj-lt"/>
-                  <a:buAutoNum type="arabicPeriod"/>
-                </a:pPr>
                 <a:r>
                   <a:rPr lang="en-US" dirty="0"/>
-                  <a:t>then they can also distinguish </a:t>
+                  <a:t> then they can also distinguish </a:t>
                 </a:r>
                 <a14:m>
                   <m:oMath xmlns:m="http://schemas.openxmlformats.org/officeDocument/2006/math">
@@ -30714,180 +30357,6 @@
                     </m:d>
                   </m:oMath>
                 </a14:m>
-                <a:r>
-                  <a:rPr lang="en-US" dirty="0"/>
-                  <a:t> as the adversary can also expand </a:t>
-                </a:r>
-                <a14:m>
-                  <m:oMath xmlns:m="http://schemas.openxmlformats.org/officeDocument/2006/math">
-                    <m:r>
-                      <m:rPr>
-                        <m:sty m:val="p"/>
-                      </m:rPr>
-                      <a:rPr lang="en-US" dirty="0">
-                        <a:latin typeface="Cambria Math" panose="02040503050406030204" pitchFamily="18" charset="0"/>
-                      </a:rPr>
-                      <m:t>Enc</m:t>
-                    </m:r>
-                    <m:d>
-                      <m:dPr>
-                        <m:ctrlPr>
-                          <a:rPr lang="en-US" i="1" dirty="0">
-                            <a:latin typeface="Cambria Math" panose="02040503050406030204" pitchFamily="18" charset="0"/>
-                          </a:rPr>
-                        </m:ctrlPr>
-                      </m:dPr>
-                      <m:e>
-                        <m:r>
-                          <a:rPr lang="en-US" b="1" i="1" dirty="0">
-                            <a:latin typeface="Cambria Math" panose="02040503050406030204" pitchFamily="18" charset="0"/>
-                          </a:rPr>
-                          <m:t>𝒎</m:t>
-                        </m:r>
-                        <m:d>
-                          <m:dPr>
-                            <m:ctrlPr>
-                              <a:rPr lang="en-US" i="1" dirty="0">
-                                <a:latin typeface="Cambria Math" panose="02040503050406030204" pitchFamily="18" charset="0"/>
-                              </a:rPr>
-                            </m:ctrlPr>
-                          </m:dPr>
-                          <m:e>
-                            <m:r>
-                              <a:rPr lang="en-US" i="1" dirty="0">
-                                <a:latin typeface="Cambria Math" panose="02040503050406030204" pitchFamily="18" charset="0"/>
-                              </a:rPr>
-                              <m:t>1</m:t>
-                            </m:r>
-                          </m:e>
-                        </m:d>
-                        <m:r>
-                          <a:rPr lang="en-US" i="1" dirty="0">
-                            <a:latin typeface="Cambria Math" panose="02040503050406030204" pitchFamily="18" charset="0"/>
-                          </a:rPr>
-                          <m:t>,</m:t>
-                        </m:r>
-                        <m:r>
-                          <a:rPr lang="en-US" b="1" i="1" dirty="0">
-                            <a:latin typeface="Cambria Math" panose="02040503050406030204" pitchFamily="18" charset="0"/>
-                          </a:rPr>
-                          <m:t>𝒆</m:t>
-                        </m:r>
-                        <m:d>
-                          <m:dPr>
-                            <m:ctrlPr>
-                              <a:rPr lang="en-US" b="1" i="1" dirty="0">
-                                <a:latin typeface="Cambria Math" panose="02040503050406030204" pitchFamily="18" charset="0"/>
-                              </a:rPr>
-                            </m:ctrlPr>
-                          </m:dPr>
-                          <m:e>
-                            <m:r>
-                              <a:rPr lang="en-US" b="1" i="1" dirty="0">
-                                <a:latin typeface="Cambria Math" panose="02040503050406030204" pitchFamily="18" charset="0"/>
-                              </a:rPr>
-                              <m:t>𝟏</m:t>
-                            </m:r>
-                          </m:e>
-                        </m:d>
-                        <m:r>
-                          <a:rPr lang="en-US" b="1" i="1" dirty="0">
-                            <a:latin typeface="Cambria Math" panose="02040503050406030204" pitchFamily="18" charset="0"/>
-                          </a:rPr>
-                          <m:t>,</m:t>
-                        </m:r>
-                        <m:r>
-                          <a:rPr lang="en-US" i="1" dirty="0">
-                            <a:latin typeface="Cambria Math" panose="02040503050406030204" pitchFamily="18" charset="0"/>
-                          </a:rPr>
-                          <m:t>𝑘</m:t>
-                        </m:r>
-                      </m:e>
-                    </m:d>
-                  </m:oMath>
-                </a14:m>
-                <a:r>
-                  <a:rPr lang="en-US" dirty="0"/>
-                  <a:t> to </a:t>
-                </a:r>
-                <a14:m>
-                  <m:oMath xmlns:m="http://schemas.openxmlformats.org/officeDocument/2006/math">
-                    <m:r>
-                      <m:rPr>
-                        <m:sty m:val="p"/>
-                      </m:rPr>
-                      <a:rPr lang="en-US" dirty="0">
-                        <a:latin typeface="Cambria Math" panose="02040503050406030204" pitchFamily="18" charset="0"/>
-                      </a:rPr>
-                      <m:t>Enc</m:t>
-                    </m:r>
-                    <m:d>
-                      <m:dPr>
-                        <m:ctrlPr>
-                          <a:rPr lang="en-US" i="1" dirty="0">
-                            <a:latin typeface="Cambria Math" panose="02040503050406030204" pitchFamily="18" charset="0"/>
-                          </a:rPr>
-                        </m:ctrlPr>
-                      </m:dPr>
-                      <m:e>
-                        <m:r>
-                          <a:rPr lang="en-US" b="1" i="1" dirty="0">
-                            <a:latin typeface="Cambria Math" panose="02040503050406030204" pitchFamily="18" charset="0"/>
-                          </a:rPr>
-                          <m:t>𝒎</m:t>
-                        </m:r>
-                        <m:r>
-                          <a:rPr lang="en-US" i="1" dirty="0">
-                            <a:latin typeface="Cambria Math" panose="02040503050406030204" pitchFamily="18" charset="0"/>
-                          </a:rPr>
-                          <m:t>,</m:t>
-                        </m:r>
-                        <m:r>
-                          <a:rPr lang="en-US" b="1" i="1" dirty="0">
-                            <a:latin typeface="Cambria Math" panose="02040503050406030204" pitchFamily="18" charset="0"/>
-                          </a:rPr>
-                          <m:t>𝒆</m:t>
-                        </m:r>
-                        <m:r>
-                          <a:rPr lang="en-US" b="1" i="1" dirty="0">
-                            <a:latin typeface="Cambria Math" panose="02040503050406030204" pitchFamily="18" charset="0"/>
-                          </a:rPr>
-                          <m:t>,</m:t>
-                        </m:r>
-                        <m:r>
-                          <a:rPr lang="en-US" i="1" dirty="0">
-                            <a:latin typeface="Cambria Math" panose="02040503050406030204" pitchFamily="18" charset="0"/>
-                          </a:rPr>
-                          <m:t>𝑘</m:t>
-                        </m:r>
-                      </m:e>
-                    </m:d>
-                  </m:oMath>
-                </a14:m>
-                <a:endParaRPr lang="en-US" dirty="0"/>
-              </a:p>
-              <a:p>
-                <a:pPr marL="914400" lvl="1" indent="-457200">
-                  <a:buFont typeface="+mj-lt"/>
-                  <a:buAutoNum type="arabicPeriod"/>
-                </a:pPr>
-                <a:r>
-                  <a:rPr lang="en-US" dirty="0"/>
-                  <a:t>a contradiction to the IND-CPA assumption of </a:t>
-                </a:r>
-                <a14:m>
-                  <m:oMath xmlns:m="http://schemas.openxmlformats.org/officeDocument/2006/math">
-                    <m:r>
-                      <m:rPr>
-                        <m:sty m:val="p"/>
-                      </m:rPr>
-                      <a:rPr lang="en-US">
-                        <a:latin typeface="Cambria Math" panose="02040503050406030204" pitchFamily="18" charset="0"/>
-                      </a:rPr>
-                      <m:t>Enc</m:t>
-                    </m:r>
-                  </m:oMath>
-                </a14:m>
                 <a:endParaRPr lang="en-US" dirty="0"/>
               </a:p>
             </p:txBody>
@@ -30918,7 +30387,7 @@
               <a:blipFill>
                 <a:blip r:embed="rId2"/>
                 <a:stretch>
-                  <a:fillRect l="-950" t="-2326" b="-581"/>
+                  <a:fillRect l="-950" t="-2326"/>
                 </a:stretch>
               </a:blipFill>
             </p:spPr>
@@ -35417,8 +34886,8 @@
           </a:p>
         </p:txBody>
       </p:sp>
-      <mc:AlternateContent xmlns:mc="http://schemas.openxmlformats.org/markup-compatibility/2006">
-        <mc:Choice xmlns:a14="http://schemas.microsoft.com/office/drawing/2010/main" Requires="a14">
+      <mc:AlternateContent xmlns:mc="http://schemas.openxmlformats.org/markup-compatibility/2006" xmlns:a14="http://schemas.microsoft.com/office/drawing/2010/main">
+        <mc:Choice Requires="a14">
           <p:sp>
             <p:nvSpPr>
               <p:cNvPr id="9" name="Rectangular Callout 8">
@@ -35590,7 +35059,7 @@
             </p:txBody>
           </p:sp>
         </mc:Choice>
-        <mc:Fallback>
+        <mc:Fallback xmlns="">
           <p:sp>
             <p:nvSpPr>
               <p:cNvPr id="9" name="Rectangular Callout 8">
@@ -35786,8 +35255,8 @@
           </a:p>
         </p:txBody>
       </p:sp>
-      <mc:AlternateContent xmlns:mc="http://schemas.openxmlformats.org/markup-compatibility/2006">
-        <mc:Choice xmlns:a14="http://schemas.microsoft.com/office/drawing/2010/main" Requires="a14">
+      <mc:AlternateContent xmlns:mc="http://schemas.openxmlformats.org/markup-compatibility/2006" xmlns:a14="http://schemas.microsoft.com/office/drawing/2010/main">
+        <mc:Choice Requires="a14">
           <p:sp>
             <p:nvSpPr>
               <p:cNvPr id="11" name="TextBox 10">
@@ -36014,7 +35483,7 @@
             </p:txBody>
           </p:sp>
         </mc:Choice>
-        <mc:Fallback>
+        <mc:Fallback xmlns="">
           <p:sp>
             <p:nvSpPr>
               <p:cNvPr id="11" name="TextBox 10">
@@ -36059,8 +35528,8 @@
           </p:sp>
         </mc:Fallback>
       </mc:AlternateContent>
-      <mc:AlternateContent xmlns:mc="http://schemas.openxmlformats.org/markup-compatibility/2006">
-        <mc:Choice xmlns:a14="http://schemas.microsoft.com/office/drawing/2010/main" Requires="a14">
+      <mc:AlternateContent xmlns:mc="http://schemas.openxmlformats.org/markup-compatibility/2006" xmlns:a14="http://schemas.microsoft.com/office/drawing/2010/main">
+        <mc:Choice Requires="a14">
           <p:sp>
             <p:nvSpPr>
               <p:cNvPr id="12" name="TextBox 11">
@@ -36303,7 +35772,7 @@
             </p:txBody>
           </p:sp>
         </mc:Choice>
-        <mc:Fallback>
+        <mc:Fallback xmlns="">
           <p:sp>
             <p:nvSpPr>
               <p:cNvPr id="12" name="TextBox 11">
@@ -36348,8 +35817,8 @@
           </p:sp>
         </mc:Fallback>
       </mc:AlternateContent>
-      <mc:AlternateContent xmlns:mc="http://schemas.openxmlformats.org/markup-compatibility/2006">
-        <mc:Choice xmlns:a14="http://schemas.microsoft.com/office/drawing/2010/main" Requires="a14">
+      <mc:AlternateContent xmlns:mc="http://schemas.openxmlformats.org/markup-compatibility/2006" xmlns:a14="http://schemas.microsoft.com/office/drawing/2010/main">
+        <mc:Choice Requires="a14">
           <p:sp>
             <p:nvSpPr>
               <p:cNvPr id="13" name="TextBox 12">
@@ -36592,7 +36061,7 @@
             </p:txBody>
           </p:sp>
         </mc:Choice>
-        <mc:Fallback>
+        <mc:Fallback xmlns="">
           <p:sp>
             <p:nvSpPr>
               <p:cNvPr id="13" name="TextBox 12">
@@ -36637,8 +36106,8 @@
           </p:sp>
         </mc:Fallback>
       </mc:AlternateContent>
-      <mc:AlternateContent xmlns:mc="http://schemas.openxmlformats.org/markup-compatibility/2006">
-        <mc:Choice xmlns:a14="http://schemas.microsoft.com/office/drawing/2010/main" Requires="a14">
+      <mc:AlternateContent xmlns:mc="http://schemas.openxmlformats.org/markup-compatibility/2006" xmlns:a14="http://schemas.microsoft.com/office/drawing/2010/main">
+        <mc:Choice Requires="a14">
           <p:sp>
             <p:nvSpPr>
               <p:cNvPr id="14" name="Rectangle 13">
@@ -36870,7 +36339,7 @@
             </p:txBody>
           </p:sp>
         </mc:Choice>
-        <mc:Fallback>
+        <mc:Fallback xmlns="">
           <p:sp>
             <p:nvSpPr>
               <p:cNvPr id="14" name="Rectangle 13">
@@ -36915,8 +36384,8 @@
           </p:sp>
         </mc:Fallback>
       </mc:AlternateContent>
-      <mc:AlternateContent xmlns:mc="http://schemas.openxmlformats.org/markup-compatibility/2006">
-        <mc:Choice xmlns:a14="http://schemas.microsoft.com/office/drawing/2010/main" Requires="a14">
+      <mc:AlternateContent xmlns:mc="http://schemas.openxmlformats.org/markup-compatibility/2006" xmlns:a14="http://schemas.microsoft.com/office/drawing/2010/main">
+        <mc:Choice Requires="a14">
           <p:sp>
             <p:nvSpPr>
               <p:cNvPr id="15" name="Rectangle 14">
@@ -37131,7 +36600,7 @@
             </p:txBody>
           </p:sp>
         </mc:Choice>
-        <mc:Fallback>
+        <mc:Fallback xmlns="">
           <p:sp>
             <p:nvSpPr>
               <p:cNvPr id="15" name="Rectangle 14">
